--- a/Documentation/Slides/Week_13.pptx
+++ b/Documentation/Slides/Week_13.pptx
@@ -5,7 +5,7 @@
     <p:sldMasterId id="2147483648" r:id="rId4"/>
   </p:sldMasterIdLst>
   <p:notesMasterIdLst>
-    <p:notesMasterId r:id="rId13"/>
+    <p:notesMasterId r:id="rId12"/>
   </p:notesMasterIdLst>
   <p:sldIdLst>
     <p:sldId id="267" r:id="rId5"/>
@@ -13,38 +13,37 @@
     <p:sldId id="280" r:id="rId7"/>
     <p:sldId id="289" r:id="rId8"/>
     <p:sldId id="285" r:id="rId9"/>
-    <p:sldId id="290" r:id="rId10"/>
-    <p:sldId id="278" r:id="rId11"/>
-    <p:sldId id="277" r:id="rId12"/>
+    <p:sldId id="278" r:id="rId10"/>
+    <p:sldId id="277" r:id="rId11"/>
   </p:sldIdLst>
   <p:sldSz cx="9144000" cy="6858000" type="screen4x3"/>
   <p:notesSz cx="6858000" cy="9144000"/>
   <p:embeddedFontLst>
     <p:embeddedFont>
       <p:font typeface="Acumin Pro Condensed Semibold" panose="020B0706020202020204" pitchFamily="34" charset="77"/>
-      <p:regular r:id="rId14"/>
-      <p:bold r:id="rId15"/>
-      <p:italic r:id="rId16"/>
-      <p:boldItalic r:id="rId17"/>
+      <p:regular r:id="rId13"/>
+      <p:bold r:id="rId14"/>
+      <p:italic r:id="rId15"/>
+      <p:boldItalic r:id="rId16"/>
     </p:embeddedFont>
     <p:embeddedFont>
       <p:font typeface="Acumin Pro Medium" panose="020B0604020202020204" pitchFamily="34" charset="77"/>
-      <p:regular r:id="rId18"/>
-      <p:italic r:id="rId19"/>
+      <p:regular r:id="rId17"/>
+      <p:italic r:id="rId18"/>
     </p:embeddedFont>
     <p:embeddedFont>
       <p:font typeface="Franklin Gothic Book" panose="020B0503020102020204" pitchFamily="34" charset="0"/>
-      <p:regular r:id="rId20"/>
-      <p:italic r:id="rId21"/>
+      <p:regular r:id="rId19"/>
+      <p:italic r:id="rId20"/>
     </p:embeddedFont>
     <p:embeddedFont>
       <p:font typeface="Franklin Gothic Medium" panose="020B0603020102020204" pitchFamily="34" charset="0"/>
-      <p:regular r:id="rId22"/>
-      <p:italic r:id="rId23"/>
+      <p:regular r:id="rId21"/>
+      <p:italic r:id="rId22"/>
     </p:embeddedFont>
     <p:embeddedFont>
       <p:font typeface="Franklin Gothic Medium Cond" panose="020B0606030402020204" pitchFamily="34" charset="0"/>
-      <p:regular r:id="rId24"/>
+      <p:regular r:id="rId23"/>
     </p:embeddedFont>
   </p:embeddedFontLst>
   <p:defaultTextStyle>
@@ -165,34 +164,6 @@
 <p188:authorLst xmlns:a="http://schemas.openxmlformats.org/drawingml/2006/main" xmlns:r="http://schemas.openxmlformats.org/officeDocument/2006/relationships" xmlns:p188="http://schemas.microsoft.com/office/powerpoint/2018/8/main">
   <p188:author id="{A26CE219-6CB4-4D82-2315-C217F06FFCCD}" name="Hiller, Kelly R" initials="HKR" userId="S::khiller@purdue.edu::b25b1487-7f5e-4b7f-a0b2-f8bcb0b1ea5a" providerId="AD"/>
 </p188:authorLst>
-</file>
-
-<file path=ppt/ink/ink1.xml><?xml version="1.0" encoding="utf-8"?>
-<inkml:ink xmlns:inkml="http://www.w3.org/2003/InkML">
-  <inkml:definitions>
-    <inkml:context xml:id="ctx0">
-      <inkml:inkSource xml:id="inkSrc0">
-        <inkml:traceFormat>
-          <inkml:channel name="X" type="integer" min="-2.14748E9" max="2.14748E9" units="cm"/>
-          <inkml:channel name="Y" type="integer" min="-2.14748E9" max="2.14748E9" units="cm"/>
-          <inkml:channel name="F" type="integer" max="32767" units="dev"/>
-        </inkml:traceFormat>
-        <inkml:channelProperties>
-          <inkml:channelProperty channel="X" name="resolution" value="1000" units="1/cm"/>
-          <inkml:channelProperty channel="Y" name="resolution" value="1000" units="1/cm"/>
-          <inkml:channelProperty channel="F" name="resolution" value="0" units="1/dev"/>
-        </inkml:channelProperties>
-      </inkml:inkSource>
-      <inkml:timestamp xml:id="ts0" timeString="2025-11-24T18:37:35.049"/>
-    </inkml:context>
-    <inkml:brush xml:id="br0">
-      <inkml:brushProperty name="width" value="0.05" units="cm"/>
-      <inkml:brushProperty name="height" value="0.05" units="cm"/>
-      <inkml:brushProperty name="color" value="#E71225"/>
-    </inkml:brush>
-  </inkml:definitions>
-  <inkml:trace contextRef="#ctx0" brushRef="#br0">1861 205 24575,'-15'0'0,"-9"0"0,-16 0 0,-11 0 0,-16 0 0,-8 0 0,-5 0 0,-14 0 0,42 0 0,-1 0 0,0 0 0,-2 0 0,-4 0 0,-2 0 0,-1 0 0,-1 0 0,-3 2 0,1 1 0,6 1 0,1 2 0,0 4 0,1 2 0,1 3 0,0 2 0,3 0 0,1 2 0,-4 0 0,2 1 0,-29 14 0,21-4 0,15-4 0,14-3 0,11-6 0,10-5 0,7-2 0,3 3 0,2 6 0,0 5 0,0 4 0,0 0 0,0 3 0,7 5 0,15 6 0,24 6 0,23 1 0,19-3 0,-37-25 0,2-3 0,4-2 0,2-2 0,4-4 0,1-2 0,1-3 0,1-2 0,-1-1 0,-2-1 0,-2-1 0,-1 0 0,-2-1 0,-1 0 0,-3-2 0,-1-3 0,0-2 0,-2-3 0,0-2 0,-1-2 0,1-2 0,-1-2 0,0 1 0,-1-2 0,1 1 0,0 0 0,0-1 0,-1-1 0,-2 1 0,-2 0 0,36-18 0,-16 1 0,-13 3 0,-11 2 0,-7-2 0,-7-5 0,-7-12 0,-6-12 0,-6-8 0,-11-3 0,-23 6 0,-30 10 0,11 32 0,-6 4 0,-16 3 0,-5 4 0,-11 4 0,-3 3 0,-2 2 0,0 2 0,1 3 0,2 1-1357,12 0 0,7 0 0,-11 0 1,29 0-1</inkml:trace>
-</inkml:ink>
 </file>
 
 <file path=ppt/notesMasters/notesMaster1.xml><?xml version="1.0" encoding="utf-8"?>
@@ -13625,7 +13596,7 @@
             </a:r>
             <a:r>
               <a:rPr lang="en-US" dirty="0"/>
-              <a:t>14</a:t>
+              <a:t>15</a:t>
             </a:r>
             <a:endParaRPr lang="en-US" b="1" dirty="0">
               <a:latin typeface="Acumin Pro Condensed Semibold" panose="020B0506020202020204" pitchFamily="34" charset="77"/>
@@ -13688,7 +13659,7 @@
           <a:p>
             <a:r>
               <a:rPr lang="en-US" dirty="0"/>
-              <a:t>11/24/2025</a:t>
+              <a:t>12/05/2025</a:t>
             </a:r>
           </a:p>
         </p:txBody>
@@ -13778,7 +13749,7 @@
             </a:pPr>
             <a:r>
               <a:rPr lang="en-US" dirty="0"/>
-              <a:t>Form 12 Ordering</a:t>
+              <a:t>Web App Development</a:t>
             </a:r>
           </a:p>
           <a:p>
@@ -13788,7 +13759,7 @@
             </a:pPr>
             <a:r>
               <a:rPr lang="en-US" dirty="0"/>
-              <a:t>Finished quote for PCB</a:t>
+              <a:t>Data logger works without need of constrained app</a:t>
             </a:r>
           </a:p>
           <a:p>
@@ -13798,7 +13769,17 @@
             </a:pPr>
             <a:r>
               <a:rPr lang="en-US" dirty="0"/>
-              <a:t>Mobile App Development</a:t>
+              <a:t>PCB Ordered</a:t>
+            </a:r>
+          </a:p>
+          <a:p>
+            <a:pPr marL="285750" indent="-285750">
+              <a:buFont typeface="Arial" panose="020B0604020202020204" pitchFamily="34" charset="0"/>
+              <a:buChar char="•"/>
+            </a:pPr>
+            <a:r>
+              <a:rPr lang="en-US" dirty="0"/>
+              <a:t>Rev. 3 PCB Started</a:t>
             </a:r>
           </a:p>
           <a:p>
@@ -13808,17 +13789,7 @@
             </a:pPr>
             <a:r>
               <a:rPr lang="en-US" dirty="0"/>
-              <a:t>Frontend Design Started</a:t>
-            </a:r>
-          </a:p>
-          <a:p>
-            <a:pPr marL="628650" lvl="1" indent="-285750">
-              <a:buFont typeface="Arial" panose="020B0604020202020204" pitchFamily="34" charset="0"/>
-              <a:buChar char="•"/>
-            </a:pPr>
-            <a:r>
-              <a:rPr lang="en-US" dirty="0"/>
-              <a:t>Backend Framework Started</a:t>
+              <a:t>Component placement on board</a:t>
             </a:r>
           </a:p>
           <a:p>
@@ -13940,7 +13911,7 @@
           <a:p>
             <a:r>
               <a:rPr lang="en-US" dirty="0"/>
-              <a:t>Form 12 complete and awaiting verification</a:t>
+              <a:t>Data logger works without need of constrained app </a:t>
             </a:r>
           </a:p>
         </p:txBody>
@@ -13968,7 +13939,7 @@
           <a:p>
             <a:r>
               <a:rPr lang="en-US" dirty="0"/>
-              <a:t>Form 12 Ordering</a:t>
+              <a:t>Finished Web App Development</a:t>
             </a:r>
           </a:p>
         </p:txBody>
@@ -14022,16 +13993,6 @@
         <p:txBody>
           <a:bodyPr/>
           <a:lstStyle/>
-          <a:p>
-            <a:pPr marL="285750" indent="-285750">
-              <a:buFont typeface="Arial" panose="020B0604020202020204" pitchFamily="34" charset="0"/>
-              <a:buChar char="•"/>
-            </a:pPr>
-            <a:r>
-              <a:rPr lang="en-US" dirty="0"/>
-              <a:t>Screenshot of form 12 attached below:</a:t>
-            </a:r>
-          </a:p>
           <a:p>
             <a:endParaRPr lang="en-US" dirty="0"/>
           </a:p>
@@ -14044,36 +14005,6 @@
           </a:p>
         </p:txBody>
       </p:sp>
-      <p:pic>
-        <p:nvPicPr>
-          <p:cNvPr id="6" name="Picture 5" descr="A close-up of a form&#10;&#10;AI-generated content may be incorrect.">
-            <a:extLst>
-              <a:ext uri="{FF2B5EF4-FFF2-40B4-BE49-F238E27FC236}">
-                <a16:creationId xmlns:a16="http://schemas.microsoft.com/office/drawing/2014/main" id="{82EBCE9E-298A-EC8A-EDAD-B7A5783C5A14}"/>
-              </a:ext>
-            </a:extLst>
-          </p:cNvPr>
-          <p:cNvPicPr>
-            <a:picLocks noChangeAspect="1"/>
-          </p:cNvPicPr>
-          <p:nvPr/>
-        </p:nvPicPr>
-        <p:blipFill>
-          <a:blip r:embed="rId2"/>
-          <a:stretch>
-            <a:fillRect/>
-          </a:stretch>
-        </p:blipFill>
-        <p:spPr>
-          <a:xfrm>
-            <a:off x="358736" y="1889338"/>
-            <a:ext cx="7772400" cy="3675105"/>
-          </a:xfrm>
-          <a:prstGeom prst="rect">
-            <a:avLst/>
-          </a:prstGeom>
-        </p:spPr>
-      </p:pic>
     </p:spTree>
     <p:extLst>
       <p:ext uri="{BB962C8B-B14F-4D97-AF65-F5344CB8AC3E}">
@@ -14133,7 +14064,7 @@
           <a:p>
             <a:r>
               <a:rPr lang="en-US" dirty="0"/>
-              <a:t>PCBA can be ordered</a:t>
+              <a:t>Shipment Date: </a:t>
             </a:r>
           </a:p>
         </p:txBody>
@@ -14161,7 +14092,7 @@
           <a:p>
             <a:r>
               <a:rPr lang="en-US" dirty="0"/>
-              <a:t>Finished Quote for PCB</a:t>
+              <a:t>PCB Ordered</a:t>
             </a:r>
           </a:p>
         </p:txBody>
@@ -14215,26 +14146,6 @@
         <p:txBody>
           <a:bodyPr/>
           <a:lstStyle/>
-          <a:p>
-            <a:pPr marL="285750" indent="-285750">
-              <a:buFont typeface="Arial" panose="020B0604020202020204" pitchFamily="34" charset="0"/>
-              <a:buChar char="•"/>
-            </a:pPr>
-            <a:r>
-              <a:rPr lang="en-US" dirty="0"/>
-              <a:t>Finalized quote seen below:</a:t>
-            </a:r>
-          </a:p>
-          <a:p>
-            <a:pPr marL="628650" lvl="1" indent="-285750">
-              <a:buFont typeface="Arial" panose="020B0604020202020204" pitchFamily="34" charset="0"/>
-              <a:buChar char="•"/>
-            </a:pPr>
-            <a:r>
-              <a:rPr lang="en-US" dirty="0"/>
-              <a:t>Weight estimate is incorrect (for all parts related to assembly)</a:t>
-            </a:r>
-          </a:p>
           <a:p>
             <a:endParaRPr lang="en-US" dirty="0"/>
           </a:p>
@@ -14247,87 +14158,6 @@
           </a:p>
         </p:txBody>
       </p:sp>
-      <p:pic>
-        <p:nvPicPr>
-          <p:cNvPr id="6" name="Picture 5" descr="A screenshot of a computer&#10;&#10;AI-generated content may be incorrect.">
-            <a:extLst>
-              <a:ext uri="{FF2B5EF4-FFF2-40B4-BE49-F238E27FC236}">
-                <a16:creationId xmlns:a16="http://schemas.microsoft.com/office/drawing/2014/main" id="{CDC3BF65-E28B-BCCC-147E-B3C94201D170}"/>
-              </a:ext>
-            </a:extLst>
-          </p:cNvPr>
-          <p:cNvPicPr>
-            <a:picLocks noChangeAspect="1"/>
-          </p:cNvPicPr>
-          <p:nvPr/>
-        </p:nvPicPr>
-        <p:blipFill>
-          <a:blip r:embed="rId2"/>
-          <a:stretch>
-            <a:fillRect/>
-          </a:stretch>
-        </p:blipFill>
-        <p:spPr>
-          <a:xfrm>
-            <a:off x="342900" y="2207899"/>
-            <a:ext cx="7772400" cy="3695810"/>
-          </a:xfrm>
-          <a:prstGeom prst="rect">
-            <a:avLst/>
-          </a:prstGeom>
-        </p:spPr>
-      </p:pic>
-      <mc:AlternateContent xmlns:mc="http://schemas.openxmlformats.org/markup-compatibility/2006" xmlns:p14="http://schemas.microsoft.com/office/powerpoint/2010/main">
-        <mc:Choice Requires="p14">
-          <p:contentPart p14:bwMode="auto" r:id="rId3">
-            <p14:nvContentPartPr>
-              <p14:cNvPr id="10" name="Ink 9">
-                <a:extLst>
-                  <a:ext uri="{FF2B5EF4-FFF2-40B4-BE49-F238E27FC236}">
-                    <a16:creationId xmlns:a16="http://schemas.microsoft.com/office/drawing/2014/main" id="{C7BA06DF-87E1-BC4E-5161-47D134397A23}"/>
-                  </a:ext>
-                </a:extLst>
-              </p14:cNvPr>
-              <p14:cNvContentPartPr/>
-              <p14:nvPr/>
-            </p14:nvContentPartPr>
-            <p14:xfrm>
-              <a:off x="7459255" y="1926542"/>
-              <a:ext cx="799560" cy="346680"/>
-            </p14:xfrm>
-          </p:contentPart>
-        </mc:Choice>
-        <mc:Fallback xmlns="">
-          <p:pic>
-            <p:nvPicPr>
-              <p:cNvPr id="10" name="Ink 9">
-                <a:extLst>
-                  <a:ext uri="{FF2B5EF4-FFF2-40B4-BE49-F238E27FC236}">
-                    <a16:creationId xmlns:a16="http://schemas.microsoft.com/office/drawing/2014/main" id="{C7BA06DF-87E1-BC4E-5161-47D134397A23}"/>
-                  </a:ext>
-                </a:extLst>
-              </p:cNvPr>
-              <p:cNvPicPr/>
-              <p:nvPr/>
-            </p:nvPicPr>
-            <p:blipFill>
-              <a:blip r:embed="rId4"/>
-              <a:stretch>
-                <a:fillRect/>
-              </a:stretch>
-            </p:blipFill>
-            <p:spPr>
-              <a:xfrm>
-                <a:off x="7450615" y="1917902"/>
-                <a:ext cx="817200" cy="364320"/>
-              </a:xfrm>
-              <a:prstGeom prst="rect">
-                <a:avLst/>
-              </a:prstGeom>
-            </p:spPr>
-          </p:pic>
-        </mc:Fallback>
-      </mc:AlternateContent>
     </p:spTree>
     <p:extLst>
       <p:ext uri="{BB962C8B-B14F-4D97-AF65-F5344CB8AC3E}">
@@ -14394,7 +14224,7 @@
           <a:p>
             <a:r>
               <a:rPr lang="en-US" dirty="0"/>
-              <a:t>Mobile App Development</a:t>
+              <a:t>Rev. 3 PCB Started</a:t>
             </a:r>
           </a:p>
         </p:txBody>
@@ -14431,73 +14261,10 @@
               <a:buFont typeface="Arial" panose="020B0604020202020204" pitchFamily="34" charset="0"/>
               <a:buChar char="•"/>
             </a:pPr>
-            <a:r>
-              <a:rPr lang="en-US" dirty="0"/>
-              <a:t>Conversion from Web BLE -&gt; Mobile more difficult than anticipated</a:t>
-            </a:r>
-          </a:p>
-          <a:p>
-            <a:pPr marL="628650" lvl="1" indent="-285750">
-              <a:buFont typeface="Arial" panose="020B0604020202020204" pitchFamily="34" charset="0"/>
-              <a:buChar char="•"/>
-            </a:pPr>
-            <a:r>
-              <a:rPr lang="en-US" sz="1800" dirty="0"/>
-              <a:t>Needed new dependencies: Xcode, </a:t>
-            </a:r>
-            <a:r>
-              <a:rPr lang="en-US" sz="1800" dirty="0" err="1"/>
-              <a:t>CocoaPods</a:t>
-            </a:r>
-            <a:r>
-              <a:rPr lang="en-US" sz="1800" dirty="0"/>
-              <a:t>, Capacitor</a:t>
-            </a:r>
-          </a:p>
-          <a:p>
-            <a:pPr marL="628650" lvl="1" indent="-285750">
-              <a:buFont typeface="Arial" panose="020B0604020202020204" pitchFamily="34" charset="0"/>
-              <a:buChar char="•"/>
-            </a:pPr>
-            <a:r>
-              <a:rPr lang="en-US" sz="1800" dirty="0"/>
-              <a:t>Will be able to finished by next week</a:t>
-            </a:r>
-          </a:p>
-        </p:txBody>
-      </p:sp>
-      <p:pic>
-        <p:nvPicPr>
-          <p:cNvPr id="3" name="Picture 2">
-            <a:extLst>
-              <a:ext uri="{FF2B5EF4-FFF2-40B4-BE49-F238E27FC236}">
-                <a16:creationId xmlns:a16="http://schemas.microsoft.com/office/drawing/2014/main" id="{CC05560D-BA79-470A-D2D2-798491EA1DDA}"/>
-              </a:ext>
-            </a:extLst>
-          </p:cNvPr>
-          <p:cNvPicPr>
-            <a:picLocks noChangeAspect="1"/>
-          </p:cNvPicPr>
-          <p:nvPr/>
-        </p:nvPicPr>
-        <p:blipFill>
-          <a:blip r:embed="rId2"/>
-          <a:srcRect l="18162" r="15335" b="-2"/>
-          <a:stretch>
-            <a:fillRect/>
-          </a:stretch>
-        </p:blipFill>
-        <p:spPr>
-          <a:xfrm>
-            <a:off x="4731868" y="1543324"/>
-            <a:ext cx="4069232" cy="4390338"/>
-          </a:xfrm>
-          <a:prstGeom prst="rect">
-            <a:avLst/>
-          </a:prstGeom>
-          <a:noFill/>
-        </p:spPr>
-      </p:pic>
+            <a:endParaRPr lang="en-US" sz="1800" dirty="0"/>
+          </a:p>
+        </p:txBody>
+      </p:sp>
       <p:sp>
         <p:nvSpPr>
           <p:cNvPr id="2" name="Text Placeholder 1">
@@ -14528,7 +14295,7 @@
           <a:p>
             <a:r>
               <a:rPr lang="en-US" dirty="0"/>
-              <a:t>Frontend Design Started</a:t>
+              <a:t>Component Placement on Board</a:t>
             </a:r>
           </a:p>
         </p:txBody>
@@ -14591,258 +14358,6 @@
   <p:cSld>
     <p:spTree>
       <p:nvGrpSpPr>
-        <p:cNvPr id="1" name="">
-          <a:extLst>
-            <a:ext uri="{FF2B5EF4-FFF2-40B4-BE49-F238E27FC236}">
-              <a16:creationId xmlns:a16="http://schemas.microsoft.com/office/drawing/2014/main" id="{44028286-F58B-A4CA-D0BA-8FD79BC50B3D}"/>
-            </a:ext>
-          </a:extLst>
-        </p:cNvPr>
-        <p:cNvGrpSpPr/>
-        <p:nvPr/>
-      </p:nvGrpSpPr>
-      <p:grpSpPr>
-        <a:xfrm>
-          <a:off x="0" y="0"/>
-          <a:ext cx="0" cy="0"/>
-          <a:chOff x="0" y="0"/>
-          <a:chExt cx="0" cy="0"/>
-        </a:xfrm>
-      </p:grpSpPr>
-      <p:sp>
-        <p:nvSpPr>
-          <p:cNvPr id="4" name="Title 3">
-            <a:extLst>
-              <a:ext uri="{FF2B5EF4-FFF2-40B4-BE49-F238E27FC236}">
-                <a16:creationId xmlns:a16="http://schemas.microsoft.com/office/drawing/2014/main" id="{46A6B5A1-51A8-7F01-0F2C-1526D571BDD7}"/>
-              </a:ext>
-            </a:extLst>
-          </p:cNvPr>
-          <p:cNvSpPr>
-            <a:spLocks noGrp="1"/>
-          </p:cNvSpPr>
-          <p:nvPr>
-            <p:ph type="title"/>
-          </p:nvPr>
-        </p:nvSpPr>
-        <p:spPr>
-          <a:xfrm>
-            <a:off x="351064" y="385004"/>
-            <a:ext cx="8450036" cy="589032"/>
-          </a:xfrm>
-        </p:spPr>
-        <p:txBody>
-          <a:bodyPr anchor="ctr">
-            <a:normAutofit/>
-          </a:bodyPr>
-          <a:lstStyle/>
-          <a:p>
-            <a:r>
-              <a:rPr lang="en-US" dirty="0"/>
-              <a:t>Mobile App Development</a:t>
-            </a:r>
-          </a:p>
-        </p:txBody>
-      </p:sp>
-      <p:sp>
-        <p:nvSpPr>
-          <p:cNvPr id="8" name="Text Placeholder 7">
-            <a:extLst>
-              <a:ext uri="{FF2B5EF4-FFF2-40B4-BE49-F238E27FC236}">
-                <a16:creationId xmlns:a16="http://schemas.microsoft.com/office/drawing/2014/main" id="{BF009817-44D2-A8D0-C29C-873EE87C3A89}"/>
-              </a:ext>
-            </a:extLst>
-          </p:cNvPr>
-          <p:cNvSpPr>
-            <a:spLocks noGrp="1"/>
-          </p:cNvSpPr>
-          <p:nvPr>
-            <p:ph idx="12"/>
-          </p:nvPr>
-        </p:nvSpPr>
-        <p:spPr>
-          <a:xfrm>
-            <a:off x="351065" y="1543324"/>
-            <a:ext cx="4059877" cy="4390338"/>
-          </a:xfrm>
-        </p:spPr>
-        <p:txBody>
-          <a:bodyPr>
-            <a:normAutofit/>
-          </a:bodyPr>
-          <a:lstStyle/>
-          <a:p>
-            <a:pPr marL="285750" indent="-285750">
-              <a:buFont typeface="Arial" panose="020B0604020202020204" pitchFamily="34" charset="0"/>
-              <a:buChar char="•"/>
-            </a:pPr>
-            <a:r>
-              <a:rPr lang="en-US" dirty="0"/>
-              <a:t>Basic view of iPad app seen below</a:t>
-            </a:r>
-          </a:p>
-          <a:p>
-            <a:pPr marL="285750" indent="-285750">
-              <a:buFont typeface="Arial" panose="020B0604020202020204" pitchFamily="34" charset="0"/>
-              <a:buChar char="•"/>
-            </a:pPr>
-            <a:r>
-              <a:rPr lang="en-US" dirty="0"/>
-              <a:t>Basic functionality of the web version (with Bluetooth), with redundant feature removed</a:t>
-            </a:r>
-          </a:p>
-          <a:p>
-            <a:pPr marL="285750" indent="-285750">
-              <a:buFont typeface="Arial" panose="020B0604020202020204" pitchFamily="34" charset="0"/>
-              <a:buChar char="•"/>
-            </a:pPr>
-            <a:r>
-              <a:rPr lang="en-US" dirty="0"/>
-              <a:t>Need to ask </a:t>
-            </a:r>
-            <a:r>
-              <a:rPr lang="en-US" dirty="0" err="1"/>
-              <a:t>Omosalewa</a:t>
-            </a:r>
-            <a:r>
-              <a:rPr lang="en-US" dirty="0"/>
-              <a:t> if she believes additional features would benefit the app</a:t>
-            </a:r>
-          </a:p>
-        </p:txBody>
-      </p:sp>
-      <p:pic>
-        <p:nvPicPr>
-          <p:cNvPr id="1026" name="Picture 2" descr="Generated image">
-            <a:extLst>
-              <a:ext uri="{FF2B5EF4-FFF2-40B4-BE49-F238E27FC236}">
-                <a16:creationId xmlns:a16="http://schemas.microsoft.com/office/drawing/2014/main" id="{B729D2F1-948C-267C-FFF5-AB7A53A4D256}"/>
-              </a:ext>
-            </a:extLst>
-          </p:cNvPr>
-          <p:cNvPicPr>
-            <a:picLocks noChangeAspect="1" noChangeArrowheads="1"/>
-          </p:cNvPicPr>
-          <p:nvPr/>
-        </p:nvPicPr>
-        <p:blipFill>
-          <a:blip r:embed="rId2">
-            <a:extLst>
-              <a:ext uri="{28A0092B-C50C-407E-A947-70E740481C1C}">
-                <a14:useLocalDpi xmlns:a14="http://schemas.microsoft.com/office/drawing/2010/main" val="0"/>
-              </a:ext>
-            </a:extLst>
-          </a:blip>
-          <a:stretch>
-            <a:fillRect/>
-          </a:stretch>
-        </p:blipFill>
-        <p:spPr bwMode="auto">
-          <a:xfrm>
-            <a:off x="4731868" y="2380387"/>
-            <a:ext cx="4069232" cy="2716211"/>
-          </a:xfrm>
-          <a:prstGeom prst="rect">
-            <a:avLst/>
-          </a:prstGeom>
-          <a:solidFill>
-            <a:srgbClr val="FFFFFF"/>
-          </a:solidFill>
-        </p:spPr>
-      </p:pic>
-      <p:sp>
-        <p:nvSpPr>
-          <p:cNvPr id="2" name="Text Placeholder 1">
-            <a:extLst>
-              <a:ext uri="{FF2B5EF4-FFF2-40B4-BE49-F238E27FC236}">
-                <a16:creationId xmlns:a16="http://schemas.microsoft.com/office/drawing/2014/main" id="{F2082681-7121-5884-FA79-C843BBC61793}"/>
-              </a:ext>
-            </a:extLst>
-          </p:cNvPr>
-          <p:cNvSpPr>
-            <a:spLocks noGrp="1"/>
-          </p:cNvSpPr>
-          <p:nvPr>
-            <p:ph type="body" sz="quarter" idx="11"/>
-          </p:nvPr>
-        </p:nvSpPr>
-        <p:spPr>
-          <a:xfrm>
-            <a:off x="342900" y="954291"/>
-            <a:ext cx="8458200" cy="365760"/>
-          </a:xfrm>
-        </p:spPr>
-        <p:txBody>
-          <a:bodyPr>
-            <a:normAutofit lnSpcReduction="10000"/>
-          </a:bodyPr>
-          <a:lstStyle/>
-          <a:p>
-            <a:r>
-              <a:rPr lang="en-US" dirty="0"/>
-              <a:t>Backend Framework of App</a:t>
-            </a:r>
-          </a:p>
-        </p:txBody>
-      </p:sp>
-      <p:sp>
-        <p:nvSpPr>
-          <p:cNvPr id="5" name="Footer Placeholder 4">
-            <a:extLst>
-              <a:ext uri="{FF2B5EF4-FFF2-40B4-BE49-F238E27FC236}">
-                <a16:creationId xmlns:a16="http://schemas.microsoft.com/office/drawing/2014/main" id="{85D49631-F52B-6D5D-133A-62ED0B699C30}"/>
-              </a:ext>
-            </a:extLst>
-          </p:cNvPr>
-          <p:cNvSpPr>
-            <a:spLocks noGrp="1"/>
-          </p:cNvSpPr>
-          <p:nvPr>
-            <p:ph type="ftr" sz="quarter" idx="14"/>
-          </p:nvPr>
-        </p:nvSpPr>
-        <p:spPr>
-          <a:xfrm>
-            <a:off x="7461174" y="6295058"/>
-            <a:ext cx="1339925" cy="323970"/>
-          </a:xfrm>
-        </p:spPr>
-        <p:txBody>
-          <a:bodyPr anchor="ctr">
-            <a:normAutofit/>
-          </a:bodyPr>
-          <a:lstStyle/>
-          <a:p>
-            <a:pPr algn="r">
-              <a:spcAft>
-                <a:spcPts val="600"/>
-              </a:spcAft>
-            </a:pPr>
-            <a:r>
-              <a:rPr lang="en-US"/>
-              <a:t>3/7</a:t>
-            </a:r>
-          </a:p>
-        </p:txBody>
-      </p:sp>
-    </p:spTree>
-    <p:extLst>
-      <p:ext uri="{BB962C8B-B14F-4D97-AF65-F5344CB8AC3E}">
-        <p14:creationId xmlns:p14="http://schemas.microsoft.com/office/powerpoint/2010/main" val="3951893408"/>
-      </p:ext>
-    </p:extLst>
-  </p:cSld>
-  <p:clrMapOvr>
-    <a:masterClrMapping/>
-  </p:clrMapOvr>
-</p:sld>
-</file>
-
-<file path=ppt/slides/slide7.xml><?xml version="1.0" encoding="utf-8"?>
-<p:sld xmlns:a="http://schemas.openxmlformats.org/drawingml/2006/main" xmlns:r="http://schemas.openxmlformats.org/officeDocument/2006/relationships" xmlns:p="http://schemas.openxmlformats.org/presentationml/2006/main">
-  <p:cSld>
-    <p:spTree>
-      <p:nvGrpSpPr>
         <p:cNvPr id="1" name=""/>
         <p:cNvGrpSpPr/>
         <p:nvPr/>
@@ -15056,7 +14571,7 @@
 </p:sld>
 </file>
 
-<file path=ppt/slides/slide8.xml><?xml version="1.0" encoding="utf-8"?>
+<file path=ppt/slides/slide7.xml><?xml version="1.0" encoding="utf-8"?>
 <p:sld xmlns:a="http://schemas.openxmlformats.org/drawingml/2006/main" xmlns:r="http://schemas.openxmlformats.org/officeDocument/2006/relationships" xmlns:p="http://schemas.openxmlformats.org/presentationml/2006/main">
   <p:cSld>
     <p:spTree>

--- a/Documentation/Slides/Week_13.pptx
+++ b/Documentation/Slides/Week_13.pptx
@@ -5,45 +5,48 @@
     <p:sldMasterId id="2147483648" r:id="rId4"/>
   </p:sldMasterIdLst>
   <p:notesMasterIdLst>
-    <p:notesMasterId r:id="rId12"/>
+    <p:notesMasterId r:id="rId15"/>
   </p:notesMasterIdLst>
   <p:sldIdLst>
     <p:sldId id="267" r:id="rId5"/>
     <p:sldId id="279" r:id="rId6"/>
     <p:sldId id="280" r:id="rId7"/>
-    <p:sldId id="289" r:id="rId8"/>
-    <p:sldId id="285" r:id="rId9"/>
-    <p:sldId id="278" r:id="rId10"/>
-    <p:sldId id="277" r:id="rId11"/>
+    <p:sldId id="290" r:id="rId8"/>
+    <p:sldId id="291" r:id="rId9"/>
+    <p:sldId id="292" r:id="rId10"/>
+    <p:sldId id="289" r:id="rId11"/>
+    <p:sldId id="285" r:id="rId12"/>
+    <p:sldId id="278" r:id="rId13"/>
+    <p:sldId id="277" r:id="rId14"/>
   </p:sldIdLst>
   <p:sldSz cx="9144000" cy="6858000" type="screen4x3"/>
   <p:notesSz cx="6858000" cy="9144000"/>
   <p:embeddedFontLst>
     <p:embeddedFont>
       <p:font typeface="Acumin Pro Condensed Semibold" panose="020B0706020202020204" pitchFamily="34" charset="77"/>
-      <p:regular r:id="rId13"/>
-      <p:bold r:id="rId14"/>
-      <p:italic r:id="rId15"/>
-      <p:boldItalic r:id="rId16"/>
+      <p:regular r:id="rId16"/>
+      <p:bold r:id="rId17"/>
+      <p:italic r:id="rId18"/>
+      <p:boldItalic r:id="rId19"/>
     </p:embeddedFont>
     <p:embeddedFont>
       <p:font typeface="Acumin Pro Medium" panose="020B0604020202020204" pitchFamily="34" charset="77"/>
-      <p:regular r:id="rId17"/>
-      <p:italic r:id="rId18"/>
+      <p:regular r:id="rId20"/>
+      <p:italic r:id="rId21"/>
     </p:embeddedFont>
     <p:embeddedFont>
       <p:font typeface="Franklin Gothic Book" panose="020B0503020102020204" pitchFamily="34" charset="0"/>
-      <p:regular r:id="rId19"/>
-      <p:italic r:id="rId20"/>
+      <p:regular r:id="rId22"/>
+      <p:italic r:id="rId23"/>
     </p:embeddedFont>
     <p:embeddedFont>
       <p:font typeface="Franklin Gothic Medium" panose="020B0603020102020204" pitchFamily="34" charset="0"/>
-      <p:regular r:id="rId21"/>
-      <p:italic r:id="rId22"/>
+      <p:regular r:id="rId24"/>
+      <p:italic r:id="rId25"/>
     </p:embeddedFont>
     <p:embeddedFont>
       <p:font typeface="Franklin Gothic Medium Cond" panose="020B0606030402020204" pitchFamily="34" charset="0"/>
-      <p:regular r:id="rId23"/>
+      <p:regular r:id="rId26"/>
     </p:embeddedFont>
   </p:embeddedFontLst>
   <p:defaultTextStyle>
@@ -248,7 +251,7 @@
           <a:p>
             <a:fld id="{01926CF7-48D8-2F46-AFC8-8A5D2298DFDD}" type="datetimeFigureOut">
               <a:rPr lang="en-US" smtClean="0"/>
-              <a:t>11/28/25</a:t>
+              <a:t>12/1/25</a:t>
             </a:fld>
             <a:endParaRPr lang="en-US"/>
           </a:p>
@@ -13658,9 +13661,10 @@
           <a:lstStyle/>
           <a:p>
             <a:r>
-              <a:rPr lang="en-US" dirty="0"/>
-              <a:t>12/05/2025</a:t>
-            </a:r>
+              <a:rPr lang="en-US"/>
+              <a:t>12/01/2025</a:t>
+            </a:r>
+            <a:endParaRPr lang="en-US" dirty="0"/>
           </a:p>
         </p:txBody>
       </p:sp>
@@ -13668,6 +13672,94 @@
     <p:extLst>
       <p:ext uri="{BB962C8B-B14F-4D97-AF65-F5344CB8AC3E}">
         <p14:creationId xmlns:p14="http://schemas.microsoft.com/office/powerpoint/2010/main" val="4154997097"/>
+      </p:ext>
+    </p:extLst>
+  </p:cSld>
+  <p:clrMapOvr>
+    <a:masterClrMapping/>
+  </p:clrMapOvr>
+</p:sld>
+</file>
+
+<file path=ppt/slides/slide10.xml><?xml version="1.0" encoding="utf-8"?>
+<p:sld xmlns:a="http://schemas.openxmlformats.org/drawingml/2006/main" xmlns:r="http://schemas.openxmlformats.org/officeDocument/2006/relationships" xmlns:p="http://schemas.openxmlformats.org/presentationml/2006/main">
+  <p:cSld>
+    <p:spTree>
+      <p:nvGrpSpPr>
+        <p:cNvPr id="1" name=""/>
+        <p:cNvGrpSpPr/>
+        <p:nvPr/>
+      </p:nvGrpSpPr>
+      <p:grpSpPr>
+        <a:xfrm>
+          <a:off x="0" y="0"/>
+          <a:ext cx="0" cy="0"/>
+          <a:chOff x="0" y="0"/>
+          <a:chExt cx="0" cy="0"/>
+        </a:xfrm>
+      </p:grpSpPr>
+      <p:sp>
+        <p:nvSpPr>
+          <p:cNvPr id="2" name="Title 1">
+            <a:extLst>
+              <a:ext uri="{FF2B5EF4-FFF2-40B4-BE49-F238E27FC236}">
+                <a16:creationId xmlns:a16="http://schemas.microsoft.com/office/drawing/2014/main" id="{E4E72CBA-026F-7E96-546F-23B8813A83DA}"/>
+              </a:ext>
+            </a:extLst>
+          </p:cNvPr>
+          <p:cNvSpPr>
+            <a:spLocks noGrp="1"/>
+          </p:cNvSpPr>
+          <p:nvPr>
+            <p:ph type="title"/>
+          </p:nvPr>
+        </p:nvSpPr>
+        <p:spPr/>
+        <p:txBody>
+          <a:bodyPr/>
+          <a:lstStyle/>
+          <a:p>
+            <a:r>
+              <a:rPr lang="en-US" dirty="0"/>
+              <a:t>Thank You</a:t>
+            </a:r>
+          </a:p>
+        </p:txBody>
+      </p:sp>
+      <p:sp>
+        <p:nvSpPr>
+          <p:cNvPr id="3" name="Text Placeholder 2">
+            <a:extLst>
+              <a:ext uri="{FF2B5EF4-FFF2-40B4-BE49-F238E27FC236}">
+                <a16:creationId xmlns:a16="http://schemas.microsoft.com/office/drawing/2014/main" id="{CE8FBDCD-BC38-D4A8-A210-EA02F2610057}"/>
+              </a:ext>
+            </a:extLst>
+          </p:cNvPr>
+          <p:cNvSpPr>
+            <a:spLocks noGrp="1"/>
+          </p:cNvSpPr>
+          <p:nvPr>
+            <p:ph type="body" sz="quarter" idx="10"/>
+          </p:nvPr>
+        </p:nvSpPr>
+        <p:spPr/>
+        <p:txBody>
+          <a:bodyPr>
+            <a:normAutofit/>
+          </a:bodyPr>
+          <a:lstStyle/>
+          <a:p>
+            <a:r>
+              <a:rPr lang="en-US" dirty="0"/>
+              <a:t>Purdue Polytechnic Institute</a:t>
+            </a:r>
+          </a:p>
+        </p:txBody>
+      </p:sp>
+    </p:spTree>
+    <p:extLst>
+      <p:ext uri="{BB962C8B-B14F-4D97-AF65-F5344CB8AC3E}">
+        <p14:creationId xmlns:p14="http://schemas.microsoft.com/office/powerpoint/2010/main" val="3555266232"/>
       </p:ext>
     </p:extLst>
   </p:cSld>
@@ -13769,7 +13861,7 @@
             </a:pPr>
             <a:r>
               <a:rPr lang="en-US" dirty="0"/>
-              <a:t>PCB Ordered</a:t>
+              <a:t>Case Study on Resistive vs. Capacitive Sensors</a:t>
             </a:r>
           </a:p>
           <a:p>
@@ -13888,6 +13980,76 @@
           <a:chExt cx="0" cy="0"/>
         </a:xfrm>
       </p:grpSpPr>
+      <p:pic>
+        <p:nvPicPr>
+          <p:cNvPr id="6" name="Picture 5" descr="A screenshot of a computer&#10;&#10;AI-generated content may be incorrect.">
+            <a:extLst>
+              <a:ext uri="{FF2B5EF4-FFF2-40B4-BE49-F238E27FC236}">
+                <a16:creationId xmlns:a16="http://schemas.microsoft.com/office/drawing/2014/main" id="{345659EC-1C0D-C3E4-2D40-328DB3AACA13}"/>
+              </a:ext>
+            </a:extLst>
+          </p:cNvPr>
+          <p:cNvPicPr>
+            <a:picLocks noChangeAspect="1"/>
+          </p:cNvPicPr>
+          <p:nvPr/>
+        </p:nvPicPr>
+        <p:blipFill>
+          <a:blip r:embed="rId2"/>
+          <a:stretch>
+            <a:fillRect/>
+          </a:stretch>
+        </p:blipFill>
+        <p:spPr>
+          <a:xfrm>
+            <a:off x="4628389" y="2787155"/>
+            <a:ext cx="4435422" cy="2849759"/>
+          </a:xfrm>
+          <a:prstGeom prst="rect">
+            <a:avLst/>
+          </a:prstGeom>
+          <a:noFill/>
+        </p:spPr>
+      </p:pic>
+      <p:sp>
+        <p:nvSpPr>
+          <p:cNvPr id="4" name="Title 3">
+            <a:extLst>
+              <a:ext uri="{FF2B5EF4-FFF2-40B4-BE49-F238E27FC236}">
+                <a16:creationId xmlns:a16="http://schemas.microsoft.com/office/drawing/2014/main" id="{6859AD80-6FC7-8C62-920C-848E8AE510CE}"/>
+              </a:ext>
+            </a:extLst>
+          </p:cNvPr>
+          <p:cNvSpPr>
+            <a:spLocks noGrp="1"/>
+          </p:cNvSpPr>
+          <p:nvPr>
+            <p:ph type="title"/>
+          </p:nvPr>
+        </p:nvSpPr>
+        <p:spPr>
+          <a:xfrm>
+            <a:off x="351064" y="385004"/>
+            <a:ext cx="8450036" cy="589032"/>
+          </a:xfrm>
+        </p:spPr>
+        <p:txBody>
+          <a:bodyPr vert="horz" lIns="91440" tIns="45720" rIns="91440" bIns="45720" rtlCol="0" anchor="ctr">
+            <a:normAutofit/>
+          </a:bodyPr>
+          <a:lstStyle/>
+          <a:p>
+            <a:r>
+              <a:rPr lang="en-US" b="1" i="1" kern="1200" cap="none" baseline="0">
+                <a:latin typeface="Acumin Pro Condensed Semibold" panose="020B0506020202020204" pitchFamily="34" charset="77"/>
+                <a:ea typeface="+mj-ea"/>
+                <a:cs typeface="+mj-cs"/>
+              </a:rPr>
+              <a:t>Web App Development</a:t>
+            </a:r>
+          </a:p>
+        </p:txBody>
+      </p:sp>
       <p:sp>
         <p:nvSpPr>
           <p:cNvPr id="2" name="Text Placeholder 1">
@@ -13901,107 +14063,395 @@
             <a:spLocks noGrp="1"/>
           </p:cNvSpPr>
           <p:nvPr>
-            <p:ph type="body" sz="quarter" idx="11"/>
-          </p:nvPr>
-        </p:nvSpPr>
-        <p:spPr/>
-        <p:txBody>
-          <a:bodyPr/>
+            <p:ph type="body" sz="quarter" idx="15"/>
+          </p:nvPr>
+        </p:nvSpPr>
+        <p:spPr>
+          <a:xfrm>
+            <a:off x="342900" y="954291"/>
+            <a:ext cx="8458200" cy="365760"/>
+          </a:xfrm>
+        </p:spPr>
+        <p:txBody>
+          <a:bodyPr vert="horz" lIns="91440" tIns="45720" rIns="91440" bIns="45720" rtlCol="0">
+            <a:normAutofit lnSpcReduction="10000"/>
+          </a:bodyPr>
           <a:lstStyle/>
           <a:p>
             <a:r>
-              <a:rPr lang="en-US" dirty="0"/>
-              <a:t>Data logger works without need of constrained app </a:t>
-            </a:r>
-          </a:p>
-        </p:txBody>
-      </p:sp>
-      <p:sp>
-        <p:nvSpPr>
-          <p:cNvPr id="4" name="Title 3">
-            <a:extLst>
-              <a:ext uri="{FF2B5EF4-FFF2-40B4-BE49-F238E27FC236}">
-                <a16:creationId xmlns:a16="http://schemas.microsoft.com/office/drawing/2014/main" id="{6859AD80-6FC7-8C62-920C-848E8AE510CE}"/>
-              </a:ext>
-            </a:extLst>
-          </p:cNvPr>
-          <p:cNvSpPr>
-            <a:spLocks noGrp="1"/>
-          </p:cNvSpPr>
-          <p:nvPr>
-            <p:ph type="title"/>
-          </p:nvPr>
-        </p:nvSpPr>
-        <p:spPr/>
-        <p:txBody>
-          <a:bodyPr/>
-          <a:lstStyle/>
-          <a:p>
-            <a:r>
-              <a:rPr lang="en-US" dirty="0"/>
-              <a:t>Finished Web App Development</a:t>
-            </a:r>
-          </a:p>
-        </p:txBody>
-      </p:sp>
-      <p:sp>
-        <p:nvSpPr>
-          <p:cNvPr id="5" name="Footer Placeholder 4">
-            <a:extLst>
-              <a:ext uri="{FF2B5EF4-FFF2-40B4-BE49-F238E27FC236}">
-                <a16:creationId xmlns:a16="http://schemas.microsoft.com/office/drawing/2014/main" id="{F9EA153D-D7AD-6A3B-E470-4D8313482867}"/>
-              </a:ext>
-            </a:extLst>
-          </p:cNvPr>
-          <p:cNvSpPr>
-            <a:spLocks noGrp="1"/>
-          </p:cNvSpPr>
-          <p:nvPr>
-            <p:ph type="ftr" sz="quarter" idx="12"/>
-          </p:nvPr>
-        </p:nvSpPr>
-        <p:spPr/>
-        <p:txBody>
-          <a:bodyPr/>
-          <a:lstStyle/>
-          <a:p>
-            <a:pPr algn="r"/>
-            <a:r>
-              <a:rPr lang="en-US" dirty="0"/>
-              <a:t>3/7</a:t>
-            </a:r>
-          </a:p>
-        </p:txBody>
-      </p:sp>
-      <p:sp>
-        <p:nvSpPr>
-          <p:cNvPr id="8" name="Text Placeholder 7">
-            <a:extLst>
-              <a:ext uri="{FF2B5EF4-FFF2-40B4-BE49-F238E27FC236}">
-                <a16:creationId xmlns:a16="http://schemas.microsoft.com/office/drawing/2014/main" id="{C6C17E7F-0E54-C3DE-3462-96777D99F533}"/>
-              </a:ext>
-            </a:extLst>
-          </p:cNvPr>
-          <p:cNvSpPr>
-            <a:spLocks noGrp="1"/>
-          </p:cNvSpPr>
-          <p:nvPr>
-            <p:ph type="body" sz="quarter" idx="10"/>
-          </p:nvPr>
-        </p:nvSpPr>
-        <p:spPr/>
-        <p:txBody>
-          <a:bodyPr/>
-          <a:lstStyle/>
-          <a:p>
-            <a:endParaRPr lang="en-US" dirty="0"/>
-          </a:p>
-          <a:p>
-            <a:pPr marL="285750" indent="-285750">
+              <a:rPr lang="en-US" b="1" i="0" kern="1200" baseline="0">
+                <a:latin typeface="Acumin Pro Condensed Semibold" panose="020B0506020202020204" pitchFamily="34" charset="77"/>
+                <a:ea typeface="+mn-ea"/>
+                <a:cs typeface="+mn-cs"/>
+              </a:rPr>
+              <a:t>Data logger locally hosted</a:t>
+            </a:r>
+          </a:p>
+        </p:txBody>
+      </p:sp>
+      <p:sp>
+        <p:nvSpPr>
+          <p:cNvPr id="7" name="Text Placeholder 2">
+            <a:extLst>
+              <a:ext uri="{FF2B5EF4-FFF2-40B4-BE49-F238E27FC236}">
+                <a16:creationId xmlns:a16="http://schemas.microsoft.com/office/drawing/2014/main" id="{B114652E-DDA4-65A6-F0C1-BF80F199B159}"/>
+              </a:ext>
+            </a:extLst>
+          </p:cNvPr>
+          <p:cNvSpPr txBox="1">
+            <a:spLocks/>
+          </p:cNvSpPr>
+          <p:nvPr/>
+        </p:nvSpPr>
+        <p:spPr>
+          <a:xfrm>
+            <a:off x="334737" y="1643074"/>
+            <a:ext cx="4308874" cy="4307571"/>
+          </a:xfrm>
+          <a:prstGeom prst="rect">
+            <a:avLst/>
+          </a:prstGeom>
+        </p:spPr>
+        <p:txBody>
+          <a:bodyPr vert="horz" lIns="91440" tIns="45720" rIns="91440" bIns="45720" numCol="1" rtlCol="0">
+            <a:normAutofit/>
+          </a:bodyPr>
+          <a:lstStyle>
+            <a:lvl1pPr marL="0" indent="0" algn="l" defTabSz="685800" rtl="0" eaLnBrk="1" fontAlgn="t" latinLnBrk="0" hangingPunct="1">
+              <a:lnSpc>
+                <a:spcPct val="90000"/>
+              </a:lnSpc>
+              <a:spcBef>
+                <a:spcPts val="750"/>
+              </a:spcBef>
+              <a:buFontTx/>
+              <a:buNone/>
+              <a:defRPr sz="1800" b="0" i="0" kern="1200" baseline="0">
+                <a:solidFill>
+                  <a:schemeClr val="tx1"/>
+                </a:solidFill>
+                <a:latin typeface="Acumin Pro" panose="020B0504020202020204" pitchFamily="34" charset="77"/>
+                <a:ea typeface="+mn-ea"/>
+                <a:cs typeface="+mn-cs"/>
+              </a:defRPr>
+            </a:lvl1pPr>
+            <a:lvl2pPr marL="342900" indent="0" algn="l" defTabSz="685800" rtl="0" eaLnBrk="1" latinLnBrk="0" hangingPunct="1">
+              <a:lnSpc>
+                <a:spcPct val="90000"/>
+              </a:lnSpc>
+              <a:spcBef>
+                <a:spcPts val="375"/>
+              </a:spcBef>
+              <a:buFontTx/>
+              <a:buNone/>
+              <a:defRPr sz="1350" b="0" i="0" kern="1200" baseline="0">
+                <a:solidFill>
+                  <a:schemeClr val="tx1"/>
+                </a:solidFill>
+                <a:latin typeface="+mn-lt"/>
+                <a:ea typeface="+mn-ea"/>
+                <a:cs typeface="+mn-cs"/>
+              </a:defRPr>
+            </a:lvl2pPr>
+            <a:lvl3pPr marL="685800" indent="0" algn="l" defTabSz="685800" rtl="0" eaLnBrk="1" latinLnBrk="0" hangingPunct="1">
+              <a:lnSpc>
+                <a:spcPct val="90000"/>
+              </a:lnSpc>
+              <a:spcBef>
+                <a:spcPts val="375"/>
+              </a:spcBef>
+              <a:buFontTx/>
+              <a:buNone/>
+              <a:defRPr sz="1350" b="0" i="0" kern="1200" baseline="0">
+                <a:solidFill>
+                  <a:schemeClr val="tx1"/>
+                </a:solidFill>
+                <a:latin typeface="+mn-lt"/>
+                <a:ea typeface="+mn-ea"/>
+                <a:cs typeface="+mn-cs"/>
+              </a:defRPr>
+            </a:lvl3pPr>
+            <a:lvl4pPr marL="1028700" indent="0" algn="l" defTabSz="685800" rtl="0" eaLnBrk="1" latinLnBrk="0" hangingPunct="1">
+              <a:lnSpc>
+                <a:spcPct val="90000"/>
+              </a:lnSpc>
+              <a:spcBef>
+                <a:spcPts val="375"/>
+              </a:spcBef>
+              <a:buFontTx/>
+              <a:buNone/>
+              <a:defRPr sz="1350" b="0" i="0" kern="1200" baseline="0">
+                <a:solidFill>
+                  <a:schemeClr val="tx1"/>
+                </a:solidFill>
+                <a:latin typeface="+mn-lt"/>
+                <a:ea typeface="+mn-ea"/>
+                <a:cs typeface="+mn-cs"/>
+              </a:defRPr>
+            </a:lvl4pPr>
+            <a:lvl5pPr marL="1371600" indent="0" algn="l" defTabSz="685800" rtl="0" eaLnBrk="1" latinLnBrk="0" hangingPunct="1">
+              <a:lnSpc>
+                <a:spcPct val="90000"/>
+              </a:lnSpc>
+              <a:spcBef>
+                <a:spcPts val="375"/>
+              </a:spcBef>
+              <a:buFontTx/>
+              <a:buNone/>
+              <a:defRPr sz="1350" b="0" i="0" kern="1200" baseline="0">
+                <a:solidFill>
+                  <a:schemeClr val="tx1"/>
+                </a:solidFill>
+                <a:latin typeface="+mn-lt"/>
+                <a:ea typeface="+mn-ea"/>
+                <a:cs typeface="+mn-cs"/>
+              </a:defRPr>
+            </a:lvl5pPr>
+            <a:lvl6pPr marL="1885950" indent="-171450" algn="l" defTabSz="685800" rtl="0" eaLnBrk="1" latinLnBrk="0" hangingPunct="1">
+              <a:lnSpc>
+                <a:spcPct val="90000"/>
+              </a:lnSpc>
+              <a:spcBef>
+                <a:spcPts val="375"/>
+              </a:spcBef>
               <a:buFont typeface="Arial" panose="020B0604020202020204" pitchFamily="34" charset="0"/>
               <a:buChar char="•"/>
+              <a:defRPr sz="1350" kern="1200">
+                <a:solidFill>
+                  <a:schemeClr val="tx1"/>
+                </a:solidFill>
+                <a:latin typeface="+mn-lt"/>
+                <a:ea typeface="+mn-ea"/>
+                <a:cs typeface="+mn-cs"/>
+              </a:defRPr>
+            </a:lvl6pPr>
+            <a:lvl7pPr marL="2228850" indent="-171450" algn="l" defTabSz="685800" rtl="0" eaLnBrk="1" latinLnBrk="0" hangingPunct="1">
+              <a:lnSpc>
+                <a:spcPct val="90000"/>
+              </a:lnSpc>
+              <a:spcBef>
+                <a:spcPts val="375"/>
+              </a:spcBef>
+              <a:buFont typeface="Arial" panose="020B0604020202020204" pitchFamily="34" charset="0"/>
+              <a:buChar char="•"/>
+              <a:defRPr sz="1350" kern="1200">
+                <a:solidFill>
+                  <a:schemeClr val="tx1"/>
+                </a:solidFill>
+                <a:latin typeface="+mn-lt"/>
+                <a:ea typeface="+mn-ea"/>
+                <a:cs typeface="+mn-cs"/>
+              </a:defRPr>
+            </a:lvl7pPr>
+            <a:lvl8pPr marL="2571750" indent="-171450" algn="l" defTabSz="685800" rtl="0" eaLnBrk="1" latinLnBrk="0" hangingPunct="1">
+              <a:lnSpc>
+                <a:spcPct val="90000"/>
+              </a:lnSpc>
+              <a:spcBef>
+                <a:spcPts val="375"/>
+              </a:spcBef>
+              <a:buFont typeface="Arial" panose="020B0604020202020204" pitchFamily="34" charset="0"/>
+              <a:buChar char="•"/>
+              <a:defRPr sz="1350" kern="1200">
+                <a:solidFill>
+                  <a:schemeClr val="tx1"/>
+                </a:solidFill>
+                <a:latin typeface="+mn-lt"/>
+                <a:ea typeface="+mn-ea"/>
+                <a:cs typeface="+mn-cs"/>
+              </a:defRPr>
+            </a:lvl8pPr>
+            <a:lvl9pPr marL="2914650" indent="-171450" algn="l" defTabSz="685800" rtl="0" eaLnBrk="1" latinLnBrk="0" hangingPunct="1">
+              <a:lnSpc>
+                <a:spcPct val="90000"/>
+              </a:lnSpc>
+              <a:spcBef>
+                <a:spcPts val="375"/>
+              </a:spcBef>
+              <a:buFont typeface="Arial" panose="020B0604020202020204" pitchFamily="34" charset="0"/>
+              <a:buChar char="•"/>
+              <a:defRPr sz="1350" kern="1200">
+                <a:solidFill>
+                  <a:schemeClr val="tx1"/>
+                </a:solidFill>
+                <a:latin typeface="+mn-lt"/>
+                <a:ea typeface="+mn-ea"/>
+                <a:cs typeface="+mn-cs"/>
+              </a:defRPr>
+            </a:lvl9pPr>
+          </a:lstStyle>
+          <a:p>
+            <a:pPr marL="171450" indent="-171450">
+              <a:buFont typeface="Wingdings" pitchFamily="2" charset="2"/>
+              <a:buChar char="§"/>
             </a:pPr>
-            <a:endParaRPr lang="en-US" dirty="0"/>
+            <a:r>
+              <a:rPr lang="en-US" dirty="0"/>
+              <a:t>Website now live at: </a:t>
+            </a:r>
+          </a:p>
+          <a:p>
+            <a:r>
+              <a:rPr lang="en-US" b="1" dirty="0"/>
+              <a:t>https://nhuang58.github.io/</a:t>
+            </a:r>
+            <a:r>
+              <a:rPr lang="en-US" b="1" dirty="0" err="1"/>
+              <a:t>Biomedical_Device_PCB</a:t>
+            </a:r>
+            <a:r>
+              <a:rPr lang="en-US" b="1" dirty="0"/>
+              <a:t>/</a:t>
+            </a:r>
+          </a:p>
+          <a:p>
+            <a:pPr marL="171450" indent="-171450">
+              <a:buFont typeface="Wingdings" pitchFamily="2" charset="2"/>
+              <a:buChar char="§"/>
+            </a:pPr>
+            <a:r>
+              <a:rPr lang="en-US" dirty="0"/>
+              <a:t>Can be locally hosted, no need for a server</a:t>
+            </a:r>
+          </a:p>
+          <a:p>
+            <a:pPr marL="171450" lvl="1" indent="-171450">
+              <a:spcBef>
+                <a:spcPts val="750"/>
+              </a:spcBef>
+              <a:buFont typeface="Wingdings" pitchFamily="2" charset="2"/>
+              <a:buChar char="§"/>
+            </a:pPr>
+            <a:r>
+              <a:rPr lang="en-US" sz="1800" dirty="0">
+                <a:latin typeface="Acumin Pro" panose="020B0504020202020204" pitchFamily="34" charset="77"/>
+              </a:rPr>
+              <a:t>Data needs to be pulled when collection complete</a:t>
+            </a:r>
+          </a:p>
+          <a:p>
+            <a:pPr marL="171450" lvl="1" indent="-171450">
+              <a:spcBef>
+                <a:spcPts val="750"/>
+              </a:spcBef>
+              <a:buFont typeface="Wingdings" pitchFamily="2" charset="2"/>
+              <a:buChar char="§"/>
+            </a:pPr>
+            <a:r>
+              <a:rPr lang="en-US" sz="1800" dirty="0">
+                <a:latin typeface="Acumin Pro" panose="020B0504020202020204" pitchFamily="34" charset="77"/>
+              </a:rPr>
+              <a:t>Unsure if bandwidth will be an issue</a:t>
+            </a:r>
+          </a:p>
+          <a:p>
+            <a:pPr marL="171450" indent="-171450">
+              <a:buFont typeface="Wingdings" pitchFamily="2" charset="2"/>
+              <a:buChar char="§"/>
+            </a:pPr>
+            <a:r>
+              <a:rPr lang="en-US" dirty="0"/>
+              <a:t>Working on compatibility with hardware (iPads)</a:t>
+            </a:r>
+          </a:p>
+          <a:p>
+            <a:pPr marL="171450" lvl="1" indent="-171450">
+              <a:spcBef>
+                <a:spcPts val="750"/>
+              </a:spcBef>
+              <a:buFont typeface="Wingdings" pitchFamily="2" charset="2"/>
+              <a:buChar char="§"/>
+            </a:pPr>
+            <a:r>
+              <a:rPr lang="en-US" sz="1800" dirty="0">
+                <a:latin typeface="Acumin Pro" panose="020B0504020202020204" pitchFamily="34" charset="77"/>
+              </a:rPr>
+              <a:t>Determine if iPads are realistic to run with BLE, or another approach is needed</a:t>
+            </a:r>
+          </a:p>
+        </p:txBody>
+      </p:sp>
+      <p:sp>
+        <p:nvSpPr>
+          <p:cNvPr id="15" name="Text Placeholder 7">
+            <a:extLst>
+              <a:ext uri="{FF2B5EF4-FFF2-40B4-BE49-F238E27FC236}">
+                <a16:creationId xmlns:a16="http://schemas.microsoft.com/office/drawing/2014/main" id="{6D614A79-1155-6B8B-D90E-FE76A9C928A9}"/>
+              </a:ext>
+            </a:extLst>
+          </p:cNvPr>
+          <p:cNvSpPr>
+            <a:spLocks noGrp="1"/>
+          </p:cNvSpPr>
+          <p:nvPr>
+            <p:ph type="body" sz="half" idx="19"/>
+          </p:nvPr>
+        </p:nvSpPr>
+        <p:spPr>
+          <a:xfrm>
+            <a:off x="4891295" y="5636914"/>
+            <a:ext cx="3909610" cy="302715"/>
+          </a:xfrm>
+        </p:spPr>
+        <p:txBody>
+          <a:bodyPr>
+            <a:normAutofit fontScale="70000" lnSpcReduction="20000"/>
+          </a:bodyPr>
+          <a:lstStyle/>
+          <a:p>
+            <a:r>
+              <a:rPr lang="en-US" dirty="0"/>
+              <a:t>Live website: https://nhuang58.github.io/</a:t>
+            </a:r>
+            <a:r>
+              <a:rPr lang="en-US" dirty="0" err="1"/>
+              <a:t>Biomedical_Device_PCB</a:t>
+            </a:r>
+            <a:r>
+              <a:rPr lang="en-US" dirty="0"/>
+              <a:t>/</a:t>
+            </a:r>
+          </a:p>
+        </p:txBody>
+      </p:sp>
+      <p:sp>
+        <p:nvSpPr>
+          <p:cNvPr id="5" name="Footer Placeholder 4">
+            <a:extLst>
+              <a:ext uri="{FF2B5EF4-FFF2-40B4-BE49-F238E27FC236}">
+                <a16:creationId xmlns:a16="http://schemas.microsoft.com/office/drawing/2014/main" id="{F9EA153D-D7AD-6A3B-E470-4D8313482867}"/>
+              </a:ext>
+            </a:extLst>
+          </p:cNvPr>
+          <p:cNvSpPr>
+            <a:spLocks noGrp="1"/>
+          </p:cNvSpPr>
+          <p:nvPr>
+            <p:ph type="ftr" sz="quarter" idx="20"/>
+          </p:nvPr>
+        </p:nvSpPr>
+        <p:spPr>
+          <a:xfrm>
+            <a:off x="7461174" y="6295058"/>
+            <a:ext cx="1339925" cy="323970"/>
+          </a:xfrm>
+        </p:spPr>
+        <p:txBody>
+          <a:bodyPr vert="horz" lIns="91440" tIns="45720" rIns="91440" bIns="45720" rtlCol="0" anchor="ctr">
+            <a:normAutofit/>
+          </a:bodyPr>
+          <a:lstStyle/>
+          <a:p>
+            <a:pPr algn="r">
+              <a:spcAft>
+                <a:spcPts val="600"/>
+              </a:spcAft>
+            </a:pPr>
+            <a:r>
+              <a:rPr lang="en-US" dirty="0"/>
+              <a:t>3/7</a:t>
+            </a:r>
+            <a:endParaRPr lang="en-US"/>
           </a:p>
         </p:txBody>
       </p:sp>
@@ -14019,6 +14469,728 @@
 </file>
 
 <file path=ppt/slides/slide4.xml><?xml version="1.0" encoding="utf-8"?>
+<p:sld xmlns:a="http://schemas.openxmlformats.org/drawingml/2006/main" xmlns:r="http://schemas.openxmlformats.org/officeDocument/2006/relationships" xmlns:p="http://schemas.openxmlformats.org/presentationml/2006/main">
+  <p:cSld>
+    <p:spTree>
+      <p:nvGrpSpPr>
+        <p:cNvPr id="1" name="">
+          <a:extLst>
+            <a:ext uri="{FF2B5EF4-FFF2-40B4-BE49-F238E27FC236}">
+              <a16:creationId xmlns:a16="http://schemas.microsoft.com/office/drawing/2014/main" id="{DAC65C9D-9048-9692-1D7A-D1A2334C1DAD}"/>
+            </a:ext>
+          </a:extLst>
+        </p:cNvPr>
+        <p:cNvGrpSpPr/>
+        <p:nvPr/>
+      </p:nvGrpSpPr>
+      <p:grpSpPr>
+        <a:xfrm>
+          <a:off x="0" y="0"/>
+          <a:ext cx="0" cy="0"/>
+          <a:chOff x="0" y="0"/>
+          <a:chExt cx="0" cy="0"/>
+        </a:xfrm>
+      </p:grpSpPr>
+      <p:sp>
+        <p:nvSpPr>
+          <p:cNvPr id="2" name="Text Placeholder 1">
+            <a:extLst>
+              <a:ext uri="{FF2B5EF4-FFF2-40B4-BE49-F238E27FC236}">
+                <a16:creationId xmlns:a16="http://schemas.microsoft.com/office/drawing/2014/main" id="{08BFC69F-6930-6387-E6FA-EED2352744DC}"/>
+              </a:ext>
+            </a:extLst>
+          </p:cNvPr>
+          <p:cNvSpPr>
+            <a:spLocks noGrp="1"/>
+          </p:cNvSpPr>
+          <p:nvPr>
+            <p:ph type="body" sz="quarter" idx="11"/>
+          </p:nvPr>
+        </p:nvSpPr>
+        <p:spPr/>
+        <p:txBody>
+          <a:bodyPr/>
+          <a:lstStyle/>
+          <a:p>
+            <a:r>
+              <a:rPr lang="en-US" dirty="0"/>
+              <a:t>3 Main Sources for Research</a:t>
+            </a:r>
+          </a:p>
+        </p:txBody>
+      </p:sp>
+      <p:sp>
+        <p:nvSpPr>
+          <p:cNvPr id="4" name="Title 3">
+            <a:extLst>
+              <a:ext uri="{FF2B5EF4-FFF2-40B4-BE49-F238E27FC236}">
+                <a16:creationId xmlns:a16="http://schemas.microsoft.com/office/drawing/2014/main" id="{05B38C6D-5BC0-E067-5928-DC6316F9E0B0}"/>
+              </a:ext>
+            </a:extLst>
+          </p:cNvPr>
+          <p:cNvSpPr>
+            <a:spLocks noGrp="1"/>
+          </p:cNvSpPr>
+          <p:nvPr>
+            <p:ph type="title"/>
+          </p:nvPr>
+        </p:nvSpPr>
+        <p:spPr/>
+        <p:txBody>
+          <a:bodyPr/>
+          <a:lstStyle/>
+          <a:p>
+            <a:r>
+              <a:rPr lang="en-US" dirty="0"/>
+              <a:t>Case Study on Resistive vs. Capacitive Sensors</a:t>
+            </a:r>
+          </a:p>
+        </p:txBody>
+      </p:sp>
+      <p:sp>
+        <p:nvSpPr>
+          <p:cNvPr id="5" name="Footer Placeholder 4">
+            <a:extLst>
+              <a:ext uri="{FF2B5EF4-FFF2-40B4-BE49-F238E27FC236}">
+                <a16:creationId xmlns:a16="http://schemas.microsoft.com/office/drawing/2014/main" id="{6DE60ADF-EA18-0D83-F463-284C31132CAF}"/>
+              </a:ext>
+            </a:extLst>
+          </p:cNvPr>
+          <p:cNvSpPr>
+            <a:spLocks noGrp="1"/>
+          </p:cNvSpPr>
+          <p:nvPr>
+            <p:ph type="ftr" sz="quarter" idx="12"/>
+          </p:nvPr>
+        </p:nvSpPr>
+        <p:spPr/>
+        <p:txBody>
+          <a:bodyPr/>
+          <a:lstStyle/>
+          <a:p>
+            <a:pPr algn="r"/>
+            <a:r>
+              <a:rPr lang="en-US" dirty="0"/>
+              <a:t>3/7</a:t>
+            </a:r>
+          </a:p>
+        </p:txBody>
+      </p:sp>
+      <p:sp>
+        <p:nvSpPr>
+          <p:cNvPr id="8" name="Text Placeholder 7">
+            <a:extLst>
+              <a:ext uri="{FF2B5EF4-FFF2-40B4-BE49-F238E27FC236}">
+                <a16:creationId xmlns:a16="http://schemas.microsoft.com/office/drawing/2014/main" id="{DE1486AA-B387-90FF-8068-2AD44F1BF784}"/>
+              </a:ext>
+            </a:extLst>
+          </p:cNvPr>
+          <p:cNvSpPr>
+            <a:spLocks noGrp="1"/>
+          </p:cNvSpPr>
+          <p:nvPr>
+            <p:ph type="body" sz="quarter" idx="10"/>
+          </p:nvPr>
+        </p:nvSpPr>
+        <p:spPr/>
+        <p:txBody>
+          <a:bodyPr/>
+          <a:lstStyle/>
+          <a:p>
+            <a:pPr marL="285750" indent="-285750">
+              <a:buFont typeface="Arial" panose="020B0604020202020204" pitchFamily="34" charset="0"/>
+              <a:buChar char="•"/>
+            </a:pPr>
+            <a:r>
+              <a:rPr lang="en-US" dirty="0"/>
+              <a:t>Digi-Key Electronics</a:t>
+            </a:r>
+          </a:p>
+          <a:p>
+            <a:pPr marL="285750" indent="-285750">
+              <a:buFont typeface="Arial" panose="020B0604020202020204" pitchFamily="34" charset="0"/>
+              <a:buChar char="•"/>
+            </a:pPr>
+            <a:r>
+              <a:rPr lang="en-US" dirty="0"/>
+              <a:t>Mouser Electronics</a:t>
+            </a:r>
+          </a:p>
+          <a:p>
+            <a:pPr marL="285750" indent="-285750">
+              <a:buFont typeface="Arial" panose="020B0604020202020204" pitchFamily="34" charset="0"/>
+              <a:buChar char="•"/>
+            </a:pPr>
+            <a:r>
+              <a:rPr lang="en-US" dirty="0"/>
+              <a:t>Interlink Electronics</a:t>
+            </a:r>
+          </a:p>
+          <a:p>
+            <a:pPr marL="285750" indent="-285750">
+              <a:buFont typeface="Arial" panose="020B0604020202020204" pitchFamily="34" charset="0"/>
+              <a:buChar char="•"/>
+            </a:pPr>
+            <a:endParaRPr lang="en-US" dirty="0"/>
+          </a:p>
+        </p:txBody>
+      </p:sp>
+    </p:spTree>
+    <p:extLst>
+      <p:ext uri="{BB962C8B-B14F-4D97-AF65-F5344CB8AC3E}">
+        <p14:creationId xmlns:p14="http://schemas.microsoft.com/office/powerpoint/2010/main" val="466022364"/>
+      </p:ext>
+    </p:extLst>
+  </p:cSld>
+  <p:clrMapOvr>
+    <a:masterClrMapping/>
+  </p:clrMapOvr>
+</p:sld>
+</file>
+
+<file path=ppt/slides/slide5.xml><?xml version="1.0" encoding="utf-8"?>
+<p:sld xmlns:a="http://schemas.openxmlformats.org/drawingml/2006/main" xmlns:r="http://schemas.openxmlformats.org/officeDocument/2006/relationships" xmlns:p="http://schemas.openxmlformats.org/presentationml/2006/main">
+  <p:cSld>
+    <p:spTree>
+      <p:nvGrpSpPr>
+        <p:cNvPr id="1" name="">
+          <a:extLst>
+            <a:ext uri="{FF2B5EF4-FFF2-40B4-BE49-F238E27FC236}">
+              <a16:creationId xmlns:a16="http://schemas.microsoft.com/office/drawing/2014/main" id="{74AC3EB3-46C5-68F9-AC42-2561456241B1}"/>
+            </a:ext>
+          </a:extLst>
+        </p:cNvPr>
+        <p:cNvGrpSpPr/>
+        <p:nvPr/>
+      </p:nvGrpSpPr>
+      <p:grpSpPr>
+        <a:xfrm>
+          <a:off x="0" y="0"/>
+          <a:ext cx="0" cy="0"/>
+          <a:chOff x="0" y="0"/>
+          <a:chExt cx="0" cy="0"/>
+        </a:xfrm>
+      </p:grpSpPr>
+      <p:sp>
+        <p:nvSpPr>
+          <p:cNvPr id="2" name="Text Placeholder 1">
+            <a:extLst>
+              <a:ext uri="{FF2B5EF4-FFF2-40B4-BE49-F238E27FC236}">
+                <a16:creationId xmlns:a16="http://schemas.microsoft.com/office/drawing/2014/main" id="{9660DE10-E695-6D9D-5FFA-A8344605607B}"/>
+              </a:ext>
+            </a:extLst>
+          </p:cNvPr>
+          <p:cNvSpPr>
+            <a:spLocks noGrp="1"/>
+          </p:cNvSpPr>
+          <p:nvPr>
+            <p:ph type="body" sz="quarter" idx="11"/>
+          </p:nvPr>
+        </p:nvSpPr>
+        <p:spPr/>
+        <p:txBody>
+          <a:bodyPr/>
+          <a:lstStyle/>
+          <a:p>
+            <a:r>
+              <a:rPr lang="en-US" dirty="0"/>
+              <a:t>Digi-Key Electronics: 1-800-344-4539</a:t>
+            </a:r>
+          </a:p>
+          <a:p>
+            <a:endParaRPr lang="en-US" dirty="0"/>
+          </a:p>
+        </p:txBody>
+      </p:sp>
+      <p:sp>
+        <p:nvSpPr>
+          <p:cNvPr id="4" name="Title 3">
+            <a:extLst>
+              <a:ext uri="{FF2B5EF4-FFF2-40B4-BE49-F238E27FC236}">
+                <a16:creationId xmlns:a16="http://schemas.microsoft.com/office/drawing/2014/main" id="{0839C186-28E2-43B8-2174-ED3273DC7808}"/>
+              </a:ext>
+            </a:extLst>
+          </p:cNvPr>
+          <p:cNvSpPr>
+            <a:spLocks noGrp="1"/>
+          </p:cNvSpPr>
+          <p:nvPr>
+            <p:ph type="title"/>
+          </p:nvPr>
+        </p:nvSpPr>
+        <p:spPr/>
+        <p:txBody>
+          <a:bodyPr/>
+          <a:lstStyle/>
+          <a:p>
+            <a:r>
+              <a:rPr lang="en-US" dirty="0"/>
+              <a:t>Case Study on Resistive vs. Capacitive Sensors</a:t>
+            </a:r>
+          </a:p>
+        </p:txBody>
+      </p:sp>
+      <p:sp>
+        <p:nvSpPr>
+          <p:cNvPr id="5" name="Footer Placeholder 4">
+            <a:extLst>
+              <a:ext uri="{FF2B5EF4-FFF2-40B4-BE49-F238E27FC236}">
+                <a16:creationId xmlns:a16="http://schemas.microsoft.com/office/drawing/2014/main" id="{E2D75D8D-1A3C-DD5A-5F52-C240944049E8}"/>
+              </a:ext>
+            </a:extLst>
+          </p:cNvPr>
+          <p:cNvSpPr>
+            <a:spLocks noGrp="1"/>
+          </p:cNvSpPr>
+          <p:nvPr>
+            <p:ph type="ftr" sz="quarter" idx="12"/>
+          </p:nvPr>
+        </p:nvSpPr>
+        <p:spPr/>
+        <p:txBody>
+          <a:bodyPr/>
+          <a:lstStyle/>
+          <a:p>
+            <a:pPr algn="r"/>
+            <a:r>
+              <a:rPr lang="en-US" dirty="0"/>
+              <a:t>3/7</a:t>
+            </a:r>
+          </a:p>
+        </p:txBody>
+      </p:sp>
+      <p:sp>
+        <p:nvSpPr>
+          <p:cNvPr id="8" name="Text Placeholder 7">
+            <a:extLst>
+              <a:ext uri="{FF2B5EF4-FFF2-40B4-BE49-F238E27FC236}">
+                <a16:creationId xmlns:a16="http://schemas.microsoft.com/office/drawing/2014/main" id="{A96AC766-6674-E4E4-BD6B-0448EC95DDB6}"/>
+              </a:ext>
+            </a:extLst>
+          </p:cNvPr>
+          <p:cNvSpPr>
+            <a:spLocks noGrp="1"/>
+          </p:cNvSpPr>
+          <p:nvPr>
+            <p:ph type="body" sz="quarter" idx="10"/>
+          </p:nvPr>
+        </p:nvSpPr>
+        <p:spPr/>
+        <p:txBody>
+          <a:bodyPr/>
+          <a:lstStyle/>
+          <a:p>
+            <a:pPr marL="285750" indent="-285750">
+              <a:buFont typeface="Arial" panose="020B0604020202020204" pitchFamily="34" charset="0"/>
+              <a:buChar char="•"/>
+            </a:pPr>
+            <a:r>
+              <a:rPr lang="en-US" dirty="0"/>
+              <a:t>Resistive vs. Capacitive Sensors</a:t>
+            </a:r>
+          </a:p>
+          <a:p>
+            <a:pPr marL="285750" indent="-285750">
+              <a:buFont typeface="Arial" panose="020B0604020202020204" pitchFamily="34" charset="0"/>
+              <a:buChar char="•"/>
+            </a:pPr>
+            <a:r>
+              <a:rPr lang="en-US" dirty="0"/>
+              <a:t>Strain Gauge – Resistive:</a:t>
+            </a:r>
+          </a:p>
+          <a:p>
+            <a:pPr marL="628650" lvl="1" indent="-285750">
+              <a:buFont typeface="Arial" panose="020B0604020202020204" pitchFamily="34" charset="0"/>
+              <a:buChar char="•"/>
+            </a:pPr>
+            <a:r>
+              <a:rPr lang="en-US" dirty="0"/>
+              <a:t>CEA-05-250-A350 ($18.00)</a:t>
+            </a:r>
+          </a:p>
+          <a:p>
+            <a:pPr marL="971550" lvl="2" indent="-285750">
+              <a:buFont typeface="Arial" panose="020B0604020202020204" pitchFamily="34" charset="0"/>
+              <a:buChar char="•"/>
+            </a:pPr>
+            <a:r>
+              <a:rPr lang="en-US" dirty="0"/>
+              <a:t>(.45 x .18 inches) Area</a:t>
+            </a:r>
+          </a:p>
+          <a:p>
+            <a:pPr marL="285750" indent="-285750">
+              <a:buFont typeface="Arial" panose="020B0604020202020204" pitchFamily="34" charset="0"/>
+              <a:buChar char="•"/>
+            </a:pPr>
+            <a:r>
+              <a:rPr lang="en-US" dirty="0"/>
+              <a:t>Force Gauge – Only Resistive Options:</a:t>
+            </a:r>
+          </a:p>
+          <a:p>
+            <a:pPr marL="628650" lvl="1" indent="-285750">
+              <a:buFont typeface="Arial" panose="020B0604020202020204" pitchFamily="34" charset="0"/>
+              <a:buChar char="•"/>
+            </a:pPr>
+            <a:r>
+              <a:rPr lang="en-US" dirty="0"/>
+              <a:t>Load Cell Device: Based on Pressure</a:t>
+            </a:r>
+          </a:p>
+          <a:p>
+            <a:pPr marL="971550" lvl="2" indent="-285750">
+              <a:buFont typeface="Arial" panose="020B0604020202020204" pitchFamily="34" charset="0"/>
+              <a:buChar char="•"/>
+            </a:pPr>
+            <a:r>
+              <a:rPr lang="en-US" dirty="0"/>
+              <a:t>Used in scales, weight, etc.</a:t>
+            </a:r>
+          </a:p>
+          <a:p>
+            <a:pPr marL="628650" lvl="1" indent="-285750">
+              <a:buFont typeface="Arial" panose="020B0604020202020204" pitchFamily="34" charset="0"/>
+              <a:buChar char="•"/>
+            </a:pPr>
+            <a:r>
+              <a:rPr lang="en-US" dirty="0"/>
+              <a:t>3917-GHB-10-ND ($5.86) </a:t>
+            </a:r>
+          </a:p>
+          <a:p>
+            <a:pPr marL="971550" lvl="2" indent="-285750">
+              <a:buFont typeface="Arial" panose="020B0604020202020204" pitchFamily="34" charset="0"/>
+              <a:buChar char="•"/>
+            </a:pPr>
+            <a:r>
+              <a:rPr lang="en-US" dirty="0"/>
+              <a:t>12 mm diameter (round area)</a:t>
+            </a:r>
+          </a:p>
+          <a:p>
+            <a:pPr marL="628650" lvl="1" indent="-285750">
+              <a:buFont typeface="Arial" panose="020B0604020202020204" pitchFamily="34" charset="0"/>
+              <a:buChar char="•"/>
+            </a:pPr>
+            <a:r>
+              <a:rPr lang="en-US" dirty="0"/>
+              <a:t>K-011-0400-80-NE2-K1-G1 ($130.87)</a:t>
+            </a:r>
+          </a:p>
+          <a:p>
+            <a:pPr marL="971550" lvl="2" indent="-285750">
+              <a:buFont typeface="Arial" panose="020B0604020202020204" pitchFamily="34" charset="0"/>
+              <a:buChar char="•"/>
+            </a:pPr>
+            <a:r>
+              <a:rPr lang="en-US" dirty="0"/>
+              <a:t>12 mm diameter (round area)</a:t>
+            </a:r>
+          </a:p>
+        </p:txBody>
+      </p:sp>
+    </p:spTree>
+    <p:extLst>
+      <p:ext uri="{BB962C8B-B14F-4D97-AF65-F5344CB8AC3E}">
+        <p14:creationId xmlns:p14="http://schemas.microsoft.com/office/powerpoint/2010/main" val="1010023066"/>
+      </p:ext>
+    </p:extLst>
+  </p:cSld>
+  <p:clrMapOvr>
+    <a:masterClrMapping/>
+  </p:clrMapOvr>
+</p:sld>
+</file>
+
+<file path=ppt/slides/slide6.xml><?xml version="1.0" encoding="utf-8"?>
+<p:sld xmlns:a="http://schemas.openxmlformats.org/drawingml/2006/main" xmlns:r="http://schemas.openxmlformats.org/officeDocument/2006/relationships" xmlns:p="http://schemas.openxmlformats.org/presentationml/2006/main">
+  <p:cSld>
+    <p:spTree>
+      <p:nvGrpSpPr>
+        <p:cNvPr id="1" name="">
+          <a:extLst>
+            <a:ext uri="{FF2B5EF4-FFF2-40B4-BE49-F238E27FC236}">
+              <a16:creationId xmlns:a16="http://schemas.microsoft.com/office/drawing/2014/main" id="{CBC3B63D-0A01-4BBC-01A5-C792A8CE7BA0}"/>
+            </a:ext>
+          </a:extLst>
+        </p:cNvPr>
+        <p:cNvGrpSpPr/>
+        <p:nvPr/>
+      </p:nvGrpSpPr>
+      <p:grpSpPr>
+        <a:xfrm>
+          <a:off x="0" y="0"/>
+          <a:ext cx="0" cy="0"/>
+          <a:chOff x="0" y="0"/>
+          <a:chExt cx="0" cy="0"/>
+        </a:xfrm>
+      </p:grpSpPr>
+      <p:sp>
+        <p:nvSpPr>
+          <p:cNvPr id="2" name="Text Placeholder 1">
+            <a:extLst>
+              <a:ext uri="{FF2B5EF4-FFF2-40B4-BE49-F238E27FC236}">
+                <a16:creationId xmlns:a16="http://schemas.microsoft.com/office/drawing/2014/main" id="{4DF87C76-1D26-0FC9-3EA9-F690FD8DFC8E}"/>
+              </a:ext>
+            </a:extLst>
+          </p:cNvPr>
+          <p:cNvSpPr>
+            <a:spLocks noGrp="1"/>
+          </p:cNvSpPr>
+          <p:nvPr>
+            <p:ph type="body" sz="quarter" idx="11"/>
+          </p:nvPr>
+        </p:nvSpPr>
+        <p:spPr/>
+        <p:txBody>
+          <a:bodyPr/>
+          <a:lstStyle/>
+          <a:p>
+            <a:r>
+              <a:rPr lang="en-US" dirty="0"/>
+              <a:t>Mouser Electronics: 1-817-804-3888</a:t>
+            </a:r>
+          </a:p>
+        </p:txBody>
+      </p:sp>
+      <p:sp>
+        <p:nvSpPr>
+          <p:cNvPr id="4" name="Title 3">
+            <a:extLst>
+              <a:ext uri="{FF2B5EF4-FFF2-40B4-BE49-F238E27FC236}">
+                <a16:creationId xmlns:a16="http://schemas.microsoft.com/office/drawing/2014/main" id="{029A2E8A-D501-2DA1-25F6-43E12D5F1B1E}"/>
+              </a:ext>
+            </a:extLst>
+          </p:cNvPr>
+          <p:cNvSpPr>
+            <a:spLocks noGrp="1"/>
+          </p:cNvSpPr>
+          <p:nvPr>
+            <p:ph type="title"/>
+          </p:nvPr>
+        </p:nvSpPr>
+        <p:spPr/>
+        <p:txBody>
+          <a:bodyPr/>
+          <a:lstStyle/>
+          <a:p>
+            <a:r>
+              <a:rPr lang="en-US" dirty="0"/>
+              <a:t>Case Study on Resistive vs. Capacitive Sensors</a:t>
+            </a:r>
+          </a:p>
+        </p:txBody>
+      </p:sp>
+      <p:sp>
+        <p:nvSpPr>
+          <p:cNvPr id="5" name="Footer Placeholder 4">
+            <a:extLst>
+              <a:ext uri="{FF2B5EF4-FFF2-40B4-BE49-F238E27FC236}">
+                <a16:creationId xmlns:a16="http://schemas.microsoft.com/office/drawing/2014/main" id="{C4703662-C6B8-42A0-DFD5-DE7F0154F86F}"/>
+              </a:ext>
+            </a:extLst>
+          </p:cNvPr>
+          <p:cNvSpPr>
+            <a:spLocks noGrp="1"/>
+          </p:cNvSpPr>
+          <p:nvPr>
+            <p:ph type="ftr" sz="quarter" idx="12"/>
+          </p:nvPr>
+        </p:nvSpPr>
+        <p:spPr/>
+        <p:txBody>
+          <a:bodyPr/>
+          <a:lstStyle/>
+          <a:p>
+            <a:pPr algn="r"/>
+            <a:r>
+              <a:rPr lang="en-US" dirty="0"/>
+              <a:t>3/7</a:t>
+            </a:r>
+          </a:p>
+        </p:txBody>
+      </p:sp>
+      <p:sp>
+        <p:nvSpPr>
+          <p:cNvPr id="8" name="Text Placeholder 7">
+            <a:extLst>
+              <a:ext uri="{FF2B5EF4-FFF2-40B4-BE49-F238E27FC236}">
+                <a16:creationId xmlns:a16="http://schemas.microsoft.com/office/drawing/2014/main" id="{1CE08A45-16F3-9BD2-18D0-6D13F3B09F94}"/>
+              </a:ext>
+            </a:extLst>
+          </p:cNvPr>
+          <p:cNvSpPr>
+            <a:spLocks noGrp="1"/>
+          </p:cNvSpPr>
+          <p:nvPr>
+            <p:ph type="body" sz="quarter" idx="10"/>
+          </p:nvPr>
+        </p:nvSpPr>
+        <p:spPr/>
+        <p:txBody>
+          <a:bodyPr/>
+          <a:lstStyle/>
+          <a:p>
+            <a:pPr marL="285750" indent="-285750">
+              <a:buFont typeface="Arial" panose="020B0604020202020204" pitchFamily="34" charset="0"/>
+              <a:buChar char="•"/>
+            </a:pPr>
+            <a:r>
+              <a:rPr lang="en-US" dirty="0"/>
+              <a:t>Resistive vs. Capacitive Sensors</a:t>
+            </a:r>
+          </a:p>
+          <a:p>
+            <a:pPr marL="628650" lvl="1" indent="-285750">
+              <a:buFont typeface="Arial" panose="020B0604020202020204" pitchFamily="34" charset="0"/>
+              <a:buChar char="•"/>
+            </a:pPr>
+            <a:r>
+              <a:rPr lang="en-US" dirty="0"/>
+              <a:t>Unable to assist with applications due to viability concerns</a:t>
+            </a:r>
+          </a:p>
+          <a:p>
+            <a:pPr marL="285750" indent="-285750">
+              <a:buFont typeface="Arial" panose="020B0604020202020204" pitchFamily="34" charset="0"/>
+              <a:buChar char="•"/>
+            </a:pPr>
+            <a:r>
+              <a:rPr lang="en-US" dirty="0"/>
+              <a:t>Resistive Force Gauge:</a:t>
+            </a:r>
+          </a:p>
+          <a:p>
+            <a:pPr marL="628650" lvl="1" indent="-285750">
+              <a:buFont typeface="Arial" panose="020B0604020202020204" pitchFamily="34" charset="0"/>
+              <a:buChar char="•"/>
+            </a:pPr>
+            <a:r>
+              <a:rPr lang="en-US" dirty="0">
+                <a:hlinkClick r:id="rId2"/>
+              </a:rPr>
+              <a:t>https://www.mouser.com/c/sensors/force-sensors-load-cells/?operating%20force=20%20N&amp;output%20type=Analog</a:t>
+            </a:r>
+            <a:endParaRPr lang="en-US" dirty="0"/>
+          </a:p>
+          <a:p>
+            <a:pPr marL="971550" lvl="2" indent="-285750">
+              <a:buFont typeface="Arial" panose="020B0604020202020204" pitchFamily="34" charset="0"/>
+              <a:buChar char="•"/>
+            </a:pPr>
+            <a:r>
+              <a:rPr lang="en-US" dirty="0"/>
+              <a:t>Higher end product (~$90-110)</a:t>
+            </a:r>
+          </a:p>
+          <a:p>
+            <a:pPr marL="628650" lvl="1" indent="-285750">
+              <a:buFont typeface="Arial" panose="020B0604020202020204" pitchFamily="34" charset="0"/>
+              <a:buChar char="•"/>
+            </a:pPr>
+            <a:r>
+              <a:rPr lang="en-US" dirty="0"/>
+              <a:t>Load Cells are commonly used, almost entirely resistive</a:t>
+            </a:r>
+          </a:p>
+          <a:p>
+            <a:pPr marL="971550" lvl="2" indent="-285750">
+              <a:buFont typeface="Arial" panose="020B0604020202020204" pitchFamily="34" charset="0"/>
+              <a:buChar char="•"/>
+            </a:pPr>
+            <a:r>
+              <a:rPr lang="en-US" dirty="0"/>
+              <a:t>Not many options for capacitive sensors in Mouser’s arsenal</a:t>
+            </a:r>
+          </a:p>
+          <a:p>
+            <a:pPr marL="285750" indent="-285750">
+              <a:buFont typeface="Arial" panose="020B0604020202020204" pitchFamily="34" charset="0"/>
+              <a:buChar char="•"/>
+            </a:pPr>
+            <a:r>
+              <a:rPr lang="en-US" dirty="0"/>
+              <a:t>Resistive Strain Gauge:</a:t>
+            </a:r>
+          </a:p>
+          <a:p>
+            <a:pPr marL="628650" lvl="1" indent="-285750">
+              <a:buFont typeface="Arial" panose="020B0604020202020204" pitchFamily="34" charset="0"/>
+              <a:buChar char="•"/>
+            </a:pPr>
+            <a:r>
+              <a:rPr lang="en-US" dirty="0"/>
+              <a:t>Mouser PN: 485-4542 ($3.95 per unit)</a:t>
+            </a:r>
+          </a:p>
+          <a:p>
+            <a:pPr marL="628650" lvl="1" indent="-285750">
+              <a:buFont typeface="Arial" panose="020B0604020202020204" pitchFamily="34" charset="0"/>
+              <a:buChar char="•"/>
+            </a:pPr>
+            <a:r>
+              <a:rPr lang="en-US" dirty="0"/>
+              <a:t>Very cheap unit cost for resistive vs. capacitive units</a:t>
+            </a:r>
+          </a:p>
+          <a:p>
+            <a:pPr marL="971550" lvl="2" indent="-285750">
+              <a:buFont typeface="Arial" panose="020B0604020202020204" pitchFamily="34" charset="0"/>
+              <a:buChar char="•"/>
+            </a:pPr>
+            <a:r>
+              <a:rPr lang="en-US" dirty="0"/>
+              <a:t>However, only capacitive sensors are reliably capable at running at 3.3 V supply</a:t>
+            </a:r>
+          </a:p>
+          <a:p>
+            <a:pPr marL="628650" lvl="1" indent="-285750">
+              <a:buFont typeface="Arial" panose="020B0604020202020204" pitchFamily="34" charset="0"/>
+              <a:buChar char="•"/>
+            </a:pPr>
+            <a:r>
+              <a:rPr lang="en-US" dirty="0">
+                <a:hlinkClick r:id="rId3"/>
+              </a:rPr>
+              <a:t>https://www.mouser.com/c/sensors/force-sensors-load-cells/?operating%20supply%20voltage=3.3%20V&amp;sensor%20type=Force%20Sensor</a:t>
+            </a:r>
+            <a:endParaRPr lang="en-US" dirty="0"/>
+          </a:p>
+          <a:p>
+            <a:pPr marL="628650" lvl="1" indent="-285750">
+              <a:buFont typeface="Arial" panose="020B0604020202020204" pitchFamily="34" charset="0"/>
+              <a:buChar char="•"/>
+            </a:pPr>
+            <a:r>
+              <a:rPr lang="en-US" dirty="0"/>
+              <a:t>Middle end cost (~$30-50)</a:t>
+            </a:r>
+          </a:p>
+          <a:p>
+            <a:pPr marL="285750" indent="-285750">
+              <a:buFont typeface="Arial" panose="020B0604020202020204" pitchFamily="34" charset="0"/>
+              <a:buChar char="•"/>
+            </a:pPr>
+            <a:endParaRPr lang="en-US" dirty="0"/>
+          </a:p>
+        </p:txBody>
+      </p:sp>
+    </p:spTree>
+    <p:extLst>
+      <p:ext uri="{BB962C8B-B14F-4D97-AF65-F5344CB8AC3E}">
+        <p14:creationId xmlns:p14="http://schemas.microsoft.com/office/powerpoint/2010/main" val="3156361767"/>
+      </p:ext>
+    </p:extLst>
+  </p:cSld>
+  <p:clrMapOvr>
+    <a:masterClrMapping/>
+  </p:clrMapOvr>
+</p:sld>
+</file>
+
+<file path=ppt/slides/slide7.xml><?xml version="1.0" encoding="utf-8"?>
 <p:sld xmlns:a="http://schemas.openxmlformats.org/drawingml/2006/main" xmlns:r="http://schemas.openxmlformats.org/officeDocument/2006/relationships" xmlns:p="http://schemas.openxmlformats.org/presentationml/2006/main">
   <p:cSld>
     <p:spTree>
@@ -14064,7 +15236,7 @@
           <a:p>
             <a:r>
               <a:rPr lang="en-US" dirty="0"/>
-              <a:t>Shipment Date: </a:t>
+              <a:t>Interlink Electronics</a:t>
             </a:r>
           </a:p>
         </p:txBody>
@@ -14092,7 +15264,7 @@
           <a:p>
             <a:r>
               <a:rPr lang="en-US" dirty="0"/>
-              <a:t>PCB Ordered</a:t>
+              <a:t>Case Study on Resistive vs. Capacitive Sensors</a:t>
             </a:r>
           </a:p>
         </p:txBody>
@@ -14171,7 +15343,7 @@
 </p:sld>
 </file>
 
-<file path=ppt/slides/slide5.xml><?xml version="1.0" encoding="utf-8"?>
+<file path=ppt/slides/slide8.xml><?xml version="1.0" encoding="utf-8"?>
 <p:sld xmlns:a="http://schemas.openxmlformats.org/drawingml/2006/main" xmlns:r="http://schemas.openxmlformats.org/officeDocument/2006/relationships" xmlns:p="http://schemas.openxmlformats.org/presentationml/2006/main">
   <p:cSld>
     <p:spTree>
@@ -14353,7 +15525,7 @@
 </p:sld>
 </file>
 
-<file path=ppt/slides/slide6.xml><?xml version="1.0" encoding="utf-8"?>
+<file path=ppt/slides/slide9.xml><?xml version="1.0" encoding="utf-8"?>
 <p:sld xmlns:a="http://schemas.openxmlformats.org/drawingml/2006/main" xmlns:r="http://schemas.openxmlformats.org/officeDocument/2006/relationships" xmlns:p="http://schemas.openxmlformats.org/presentationml/2006/main">
   <p:cSld>
     <p:spTree>
@@ -14425,7 +15597,7 @@
             </a:pPr>
             <a:r>
               <a:rPr lang="en-US" dirty="0"/>
-              <a:t>Finish Mobile App Development</a:t>
+              <a:t>Analyze what can be done with Hardware issues</a:t>
             </a:r>
           </a:p>
           <a:p>
@@ -14435,7 +15607,17 @@
             </a:pPr>
             <a:r>
               <a:rPr lang="en-US" dirty="0"/>
-              <a:t>Add Data Logging Functionality for </a:t>
+              <a:t>Refine Rev. 2 of PCB</a:t>
+            </a:r>
+          </a:p>
+          <a:p>
+            <a:pPr marL="285750" indent="-285750">
+              <a:buFont typeface="Arial" panose="020B0604020202020204" pitchFamily="34" charset="0"/>
+              <a:buChar char="•"/>
+            </a:pPr>
+            <a:r>
+              <a:rPr lang="en-US" dirty="0"/>
+              <a:t>Send Sensors + Quotes of Sensors to Charles</a:t>
             </a:r>
           </a:p>
           <a:p>
@@ -14458,7 +15640,7 @@
             </a:pPr>
             <a:r>
               <a:rPr lang="en-US" dirty="0"/>
-              <a:t>Dependency Issues with several iOS development environments</a:t>
+              <a:t>Hardware restrictions given by Agriculture departments</a:t>
             </a:r>
           </a:p>
           <a:p>
@@ -14467,10 +15649,9 @@
               <a:buChar char="•"/>
             </a:pPr>
             <a:r>
-              <a:rPr lang="en-US" dirty="0" err="1"/>
-              <a:t>CocoaPods</a:t>
-            </a:r>
-            <a:endParaRPr lang="en-US" dirty="0"/>
+              <a:rPr lang="en-US" dirty="0"/>
+              <a:t>Could a computer be used instead? It would simplify a lot</a:t>
+            </a:r>
           </a:p>
           <a:p>
             <a:pPr marL="628650" lvl="1" indent="-285750">
@@ -14479,25 +15660,8 @@
             </a:pPr>
             <a:r>
               <a:rPr lang="en-US" dirty="0"/>
-              <a:t>NPM</a:t>
-            </a:r>
-          </a:p>
-          <a:p>
-            <a:pPr marL="628650" lvl="1" indent="-285750">
-              <a:buFont typeface="Arial" panose="020B0604020202020204" pitchFamily="34" charset="0"/>
-              <a:buChar char="•"/>
-            </a:pPr>
-            <a:r>
-              <a:rPr lang="en-US" dirty="0"/>
-              <a:t>Capacitor</a:t>
-            </a:r>
-          </a:p>
-          <a:p>
-            <a:pPr marL="628650" lvl="1" indent="-285750">
-              <a:buFont typeface="Arial" panose="020B0604020202020204" pitchFamily="34" charset="0"/>
-              <a:buChar char="•"/>
-            </a:pPr>
-            <a:endParaRPr lang="en-US" dirty="0"/>
+              <a:t>What other hardware can be purchased and used at the farm?</a:t>
+            </a:r>
           </a:p>
         </p:txBody>
       </p:sp>
@@ -14562,94 +15726,6 @@
     <p:extLst>
       <p:ext uri="{BB962C8B-B14F-4D97-AF65-F5344CB8AC3E}">
         <p14:creationId xmlns:p14="http://schemas.microsoft.com/office/powerpoint/2010/main" val="257444251"/>
-      </p:ext>
-    </p:extLst>
-  </p:cSld>
-  <p:clrMapOvr>
-    <a:masterClrMapping/>
-  </p:clrMapOvr>
-</p:sld>
-</file>
-
-<file path=ppt/slides/slide7.xml><?xml version="1.0" encoding="utf-8"?>
-<p:sld xmlns:a="http://schemas.openxmlformats.org/drawingml/2006/main" xmlns:r="http://schemas.openxmlformats.org/officeDocument/2006/relationships" xmlns:p="http://schemas.openxmlformats.org/presentationml/2006/main">
-  <p:cSld>
-    <p:spTree>
-      <p:nvGrpSpPr>
-        <p:cNvPr id="1" name=""/>
-        <p:cNvGrpSpPr/>
-        <p:nvPr/>
-      </p:nvGrpSpPr>
-      <p:grpSpPr>
-        <a:xfrm>
-          <a:off x="0" y="0"/>
-          <a:ext cx="0" cy="0"/>
-          <a:chOff x="0" y="0"/>
-          <a:chExt cx="0" cy="0"/>
-        </a:xfrm>
-      </p:grpSpPr>
-      <p:sp>
-        <p:nvSpPr>
-          <p:cNvPr id="2" name="Title 1">
-            <a:extLst>
-              <a:ext uri="{FF2B5EF4-FFF2-40B4-BE49-F238E27FC236}">
-                <a16:creationId xmlns:a16="http://schemas.microsoft.com/office/drawing/2014/main" id="{E4E72CBA-026F-7E96-546F-23B8813A83DA}"/>
-              </a:ext>
-            </a:extLst>
-          </p:cNvPr>
-          <p:cNvSpPr>
-            <a:spLocks noGrp="1"/>
-          </p:cNvSpPr>
-          <p:nvPr>
-            <p:ph type="title"/>
-          </p:nvPr>
-        </p:nvSpPr>
-        <p:spPr/>
-        <p:txBody>
-          <a:bodyPr/>
-          <a:lstStyle/>
-          <a:p>
-            <a:r>
-              <a:rPr lang="en-US" dirty="0"/>
-              <a:t>Thank You</a:t>
-            </a:r>
-          </a:p>
-        </p:txBody>
-      </p:sp>
-      <p:sp>
-        <p:nvSpPr>
-          <p:cNvPr id="3" name="Text Placeholder 2">
-            <a:extLst>
-              <a:ext uri="{FF2B5EF4-FFF2-40B4-BE49-F238E27FC236}">
-                <a16:creationId xmlns:a16="http://schemas.microsoft.com/office/drawing/2014/main" id="{CE8FBDCD-BC38-D4A8-A210-EA02F2610057}"/>
-              </a:ext>
-            </a:extLst>
-          </p:cNvPr>
-          <p:cNvSpPr>
-            <a:spLocks noGrp="1"/>
-          </p:cNvSpPr>
-          <p:nvPr>
-            <p:ph type="body" sz="quarter" idx="10"/>
-          </p:nvPr>
-        </p:nvSpPr>
-        <p:spPr/>
-        <p:txBody>
-          <a:bodyPr>
-            <a:normAutofit/>
-          </a:bodyPr>
-          <a:lstStyle/>
-          <a:p>
-            <a:r>
-              <a:rPr lang="en-US" dirty="0"/>
-              <a:t>Purdue Polytechnic Institute</a:t>
-            </a:r>
-          </a:p>
-        </p:txBody>
-      </p:sp>
-    </p:spTree>
-    <p:extLst>
-      <p:ext uri="{BB962C8B-B14F-4D97-AF65-F5344CB8AC3E}">
-        <p14:creationId xmlns:p14="http://schemas.microsoft.com/office/powerpoint/2010/main" val="3555266232"/>
       </p:ext>
     </p:extLst>
   </p:cSld>
@@ -15242,15 +16318,6 @@
 </file>
 
 <file path=customXml/item1.xml><?xml version="1.0" encoding="utf-8"?>
-<?mso-contentType ?>
-<FormTemplates xmlns="http://schemas.microsoft.com/sharepoint/v3/contenttype/forms">
-  <Display>DocumentLibraryForm</Display>
-  <Edit>DocumentLibraryForm</Edit>
-  <New>DocumentLibraryForm</New>
-</FormTemplates>
-</file>
-
-<file path=customXml/item2.xml><?xml version="1.0" encoding="utf-8"?>
 <p:properties xmlns:p="http://schemas.microsoft.com/office/2006/metadata/properties" xmlns:xsi="http://www.w3.org/2001/XMLSchema-instance" xmlns:pc="http://schemas.microsoft.com/office/infopath/2007/PartnerControls">
   <documentManagement>
     <SharedWithUsers xmlns="d6656b4d-3fa0-4709-acfb-d5e813445d1e">
@@ -15291,6 +16358,15 @@
     <TaxCatchAll xmlns="d6656b4d-3fa0-4709-acfb-d5e813445d1e" xsi:nil="true"/>
   </documentManagement>
 </p:properties>
+</file>
+
+<file path=customXml/item2.xml><?xml version="1.0" encoding="utf-8"?>
+<?mso-contentType ?>
+<FormTemplates xmlns="http://schemas.microsoft.com/sharepoint/v3/contenttype/forms">
+  <Display>DocumentLibraryForm</Display>
+  <Edit>DocumentLibraryForm</Edit>
+  <New>DocumentLibraryForm</New>
+</FormTemplates>
 </file>
 
 <file path=customXml/item3.xml><?xml version="1.0" encoding="utf-8"?>
@@ -15517,14 +16593,6 @@
 </file>
 
 <file path=customXml/itemProps1.xml><?xml version="1.0" encoding="utf-8"?>
-<ds:datastoreItem xmlns:ds="http://schemas.openxmlformats.org/officeDocument/2006/customXml" ds:itemID="{F5B64EEB-1B4A-4920-AA44-E234D7D487D1}">
-  <ds:schemaRefs>
-    <ds:schemaRef ds:uri="http://schemas.microsoft.com/sharepoint/v3/contenttype/forms"/>
-  </ds:schemaRefs>
-</ds:datastoreItem>
-</file>
-
-<file path=customXml/itemProps2.xml><?xml version="1.0" encoding="utf-8"?>
 <ds:datastoreItem xmlns:ds="http://schemas.openxmlformats.org/officeDocument/2006/customXml" ds:itemID="{21DE0D6C-581B-4814-98E7-EF172D5D46A1}">
   <ds:schemaRefs>
     <ds:schemaRef ds:uri="http://purl.org/dc/elements/1.1/"/>
@@ -15537,6 +16605,14 @@
     <ds:schemaRef ds:uri="http://schemas.microsoft.com/office/2006/metadata/properties"/>
     <ds:schemaRef ds:uri="http://www.w3.org/XML/1998/namespace"/>
     <ds:schemaRef ds:uri="http://purl.org/dc/dcmitype/"/>
+  </ds:schemaRefs>
+</ds:datastoreItem>
+</file>
+
+<file path=customXml/itemProps2.xml><?xml version="1.0" encoding="utf-8"?>
+<ds:datastoreItem xmlns:ds="http://schemas.openxmlformats.org/officeDocument/2006/customXml" ds:itemID="{F5B64EEB-1B4A-4920-AA44-E234D7D487D1}">
+  <ds:schemaRefs>
+    <ds:schemaRef ds:uri="http://schemas.microsoft.com/sharepoint/v3/contenttype/forms"/>
   </ds:schemaRefs>
 </ds:datastoreItem>
 </file>
